--- a/pinia介绍.pptx
+++ b/pinia介绍.pptx
@@ -13,13 +13,17 @@
     <p:sldId id="282" r:id="rId8"/>
     <p:sldId id="283" r:id="rId9"/>
     <p:sldId id="284" r:id="rId10"/>
-    <p:sldId id="285" r:id="rId11"/>
-    <p:sldId id="287" r:id="rId12"/>
+    <p:sldId id="289" r:id="rId11"/>
+    <p:sldId id="290" r:id="rId12"/>
+    <p:sldId id="285" r:id="rId13"/>
+    <p:sldId id="291" r:id="rId14"/>
+    <p:sldId id="288" r:id="rId15"/>
+    <p:sldId id="287" r:id="rId16"/>
   </p:sldIdLst>
   <p:sldSz cx="9144000" cy="5715000"/>
   <p:notesSz cx="6858000" cy="9144000"/>
   <p:custDataLst>
-    <p:tags r:id="rId17"/>
+    <p:tags r:id="rId21"/>
   </p:custDataLst>
   <p:defaultTextStyle>
     <a:defPPr>
@@ -211,13 +215,31 @@
 
 <file path=ppt/commentAuthors.xml><?xml version="1.0" encoding="utf-8"?>
 <p:cmAuthorLst xmlns:a="http://schemas.openxmlformats.org/drawingml/2006/main" xmlns:r="http://schemas.openxmlformats.org/officeDocument/2006/relationships" xmlns:p="http://schemas.openxmlformats.org/presentationml/2006/main">
-  <p:cmAuthor id="1" name="Administrator" initials="A" lastIdx="1" clrIdx="0"/>
+  <p:cmAuthor id="1" name="Administrator" initials="A" lastIdx="3" clrIdx="0"/>
 </p:cmAuthorLst>
 </file>
 
 <file path=ppt/comments/comment1.xml><?xml version="1.0" encoding="utf-8"?>
 <p:cmLst xmlns:a="http://schemas.openxmlformats.org/drawingml/2006/main" xmlns:r="http://schemas.openxmlformats.org/officeDocument/2006/relationships" xmlns:p="http://schemas.openxmlformats.org/presentationml/2006/main">
   <p:cm authorId="1" dt="2022-07-12T14:38:19.805" idx="1">
+    <p:pos x="10" y="10"/>
+    <p:text/>
+  </p:cm>
+</p:cmLst>
+</file>
+
+<file path=ppt/comments/comment2.xml><?xml version="1.0" encoding="utf-8"?>
+<p:cmLst xmlns:a="http://schemas.openxmlformats.org/drawingml/2006/main" xmlns:r="http://schemas.openxmlformats.org/officeDocument/2006/relationships" xmlns:p="http://schemas.openxmlformats.org/presentationml/2006/main">
+  <p:cm authorId="1" dt="2022-07-14T20:19:32.725" idx="2">
+    <p:pos x="10" y="10"/>
+    <p:text/>
+  </p:cm>
+</p:cmLst>
+</file>
+
+<file path=ppt/comments/comment3.xml><?xml version="1.0" encoding="utf-8"?>
+<p:cmLst xmlns:a="http://schemas.openxmlformats.org/drawingml/2006/main" xmlns:r="http://schemas.openxmlformats.org/officeDocument/2006/relationships" xmlns:p="http://schemas.openxmlformats.org/presentationml/2006/main">
+  <p:cm authorId="1" dt="2022-07-14T20:38:59.162" idx="3">
     <p:pos x="10" y="10"/>
     <p:text/>
   </p:cm>
@@ -2803,14 +2825,14 @@
       </p:pic>
       <p:sp>
         <p:nvSpPr>
-          <p:cNvPr id="5" name="文本框 4"/>
+          <p:cNvPr id="3" name="文本框 2"/>
           <p:cNvSpPr txBox="1"/>
           <p:nvPr/>
         </p:nvSpPr>
         <p:spPr>
           <a:xfrm>
-            <a:off x="4284345" y="3001645"/>
-            <a:ext cx="640080" cy="368300"/>
+            <a:off x="5868035" y="5161915"/>
+            <a:ext cx="2792095" cy="368300"/>
           </a:xfrm>
           <a:prstGeom prst="rect">
             <a:avLst/>
@@ -2818,15 +2840,17 @@
           <a:noFill/>
         </p:spPr>
         <p:txBody>
-          <a:bodyPr wrap="none" rtlCol="0">
+          <a:bodyPr wrap="square" rtlCol="0">
             <a:spAutoFit/>
           </a:bodyPr>
           <a:p>
             <a:r>
-              <a:rPr lang="zh-CN" altLang="en-US">
-                <a:hlinkClick r:id="rId2" action="ppaction://hlinkfile"/>
-              </a:rPr>
-              <a:t>官网</a:t>
+              <a:rPr lang="zh-CN" altLang="en-US"/>
+              <a:t>主讲：杨</a:t>
+            </a:r>
+            <a:r>
+              <a:rPr lang="zh-CN" altLang="en-US"/>
+              <a:t>龙</a:t>
             </a:r>
             <a:endParaRPr lang="zh-CN" altLang="en-US"/>
           </a:p>
@@ -2841,6 +2865,704 @@
 </file>
 
 <file path=ppt/slides/slide10.xml><?xml version="1.0" encoding="utf-8"?>
+<p:sld xmlns:a="http://schemas.openxmlformats.org/drawingml/2006/main" xmlns:r="http://schemas.openxmlformats.org/officeDocument/2006/relationships" xmlns:p="http://schemas.openxmlformats.org/presentationml/2006/main">
+  <p:cSld>
+    <p:spTree>
+      <p:nvGrpSpPr>
+        <p:cNvPr id="1" name=""/>
+        <p:cNvGrpSpPr/>
+        <p:nvPr/>
+      </p:nvGrpSpPr>
+      <p:grpSpPr/>
+      <p:pic>
+        <p:nvPicPr>
+          <p:cNvPr id="5" name="图片 4" descr="code2"/>
+          <p:cNvPicPr>
+            <a:picLocks noChangeAspect="1"/>
+          </p:cNvPicPr>
+          <p:nvPr/>
+        </p:nvPicPr>
+        <p:blipFill>
+          <a:blip r:embed="rId1"/>
+          <a:stretch>
+            <a:fillRect/>
+          </a:stretch>
+        </p:blipFill>
+        <p:spPr>
+          <a:xfrm>
+            <a:off x="683895" y="1921510"/>
+            <a:ext cx="3237230" cy="3500120"/>
+          </a:xfrm>
+          <a:prstGeom prst="rect">
+            <a:avLst/>
+          </a:prstGeom>
+        </p:spPr>
+      </p:pic>
+      <p:sp>
+        <p:nvSpPr>
+          <p:cNvPr id="6" name="文本框 5"/>
+          <p:cNvSpPr txBox="1"/>
+          <p:nvPr/>
+        </p:nvSpPr>
+        <p:spPr>
+          <a:xfrm>
+            <a:off x="1548130" y="1489710"/>
+            <a:ext cx="1097280" cy="368300"/>
+          </a:xfrm>
+          <a:prstGeom prst="rect">
+            <a:avLst/>
+          </a:prstGeom>
+          <a:noFill/>
+        </p:spPr>
+        <p:txBody>
+          <a:bodyPr wrap="none" rtlCol="0">
+            <a:spAutoFit/>
+          </a:bodyPr>
+          <a:p>
+            <a:r>
+              <a:rPr lang="zh-CN" altLang="en-US"/>
+              <a:t>创建</a:t>
+            </a:r>
+            <a:r>
+              <a:rPr lang="zh-CN" altLang="en-US"/>
+              <a:t>容器</a:t>
+            </a:r>
+            <a:endParaRPr lang="zh-CN" altLang="en-US"/>
+          </a:p>
+        </p:txBody>
+      </p:sp>
+      <p:pic>
+        <p:nvPicPr>
+          <p:cNvPr id="8" name="图片 7" descr="code3"/>
+          <p:cNvPicPr>
+            <a:picLocks noChangeAspect="1"/>
+          </p:cNvPicPr>
+          <p:nvPr/>
+        </p:nvPicPr>
+        <p:blipFill>
+          <a:blip r:embed="rId2"/>
+          <a:stretch>
+            <a:fillRect/>
+          </a:stretch>
+        </p:blipFill>
+        <p:spPr>
+          <a:xfrm>
+            <a:off x="4068445" y="3865880"/>
+            <a:ext cx="4743450" cy="1550670"/>
+          </a:xfrm>
+          <a:prstGeom prst="rect">
+            <a:avLst/>
+          </a:prstGeom>
+        </p:spPr>
+      </p:pic>
+      <p:sp>
+        <p:nvSpPr>
+          <p:cNvPr id="9" name="文本框 8"/>
+          <p:cNvSpPr txBox="1"/>
+          <p:nvPr/>
+        </p:nvSpPr>
+        <p:spPr>
+          <a:xfrm>
+            <a:off x="4487545" y="3468370"/>
+            <a:ext cx="2240280" cy="368300"/>
+          </a:xfrm>
+          <a:prstGeom prst="rect">
+            <a:avLst/>
+          </a:prstGeom>
+          <a:noFill/>
+        </p:spPr>
+        <p:txBody>
+          <a:bodyPr wrap="none" rtlCol="0">
+            <a:spAutoFit/>
+          </a:bodyPr>
+          <a:p>
+            <a:r>
+              <a:rPr lang="zh-CN" altLang="en-US"/>
+              <a:t>在组件里面使用</a:t>
+            </a:r>
+            <a:r>
+              <a:rPr lang="zh-CN" altLang="en-US"/>
+              <a:t>容器</a:t>
+            </a:r>
+            <a:endParaRPr lang="zh-CN" altLang="en-US"/>
+          </a:p>
+        </p:txBody>
+      </p:sp>
+    </p:spTree>
+  </p:cSld>
+  <p:clrMapOvr>
+    <a:masterClrMapping/>
+  </p:clrMapOvr>
+</p:sld>
+</file>
+
+<file path=ppt/slides/slide11.xml><?xml version="1.0" encoding="utf-8"?>
+<p:sld xmlns:a="http://schemas.openxmlformats.org/drawingml/2006/main" xmlns:r="http://schemas.openxmlformats.org/officeDocument/2006/relationships" xmlns:p="http://schemas.openxmlformats.org/presentationml/2006/main">
+  <p:cSld>
+    <p:spTree>
+      <p:nvGrpSpPr>
+        <p:cNvPr id="1" name=""/>
+        <p:cNvGrpSpPr/>
+        <p:nvPr/>
+      </p:nvGrpSpPr>
+      <p:grpSpPr/>
+      <p:sp>
+        <p:nvSpPr>
+          <p:cNvPr id="6" name="文本框 5"/>
+          <p:cNvSpPr txBox="1"/>
+          <p:nvPr/>
+        </p:nvSpPr>
+        <p:spPr>
+          <a:xfrm>
+            <a:off x="2628265" y="2673350"/>
+            <a:ext cx="2656205" cy="460375"/>
+          </a:xfrm>
+          <a:prstGeom prst="rect">
+            <a:avLst/>
+          </a:prstGeom>
+          <a:noFill/>
+        </p:spPr>
+        <p:txBody>
+          <a:bodyPr wrap="none" rtlCol="0">
+            <a:spAutoFit/>
+          </a:bodyPr>
+          <a:p>
+            <a:r>
+              <a:rPr lang="en-US" altLang="zh-CN" sz="2400"/>
+              <a:t>pinia</a:t>
+            </a:r>
+            <a:r>
+              <a:rPr lang="zh-CN" altLang="en-US" sz="2400"/>
+              <a:t>核心源码</a:t>
+            </a:r>
+            <a:r>
+              <a:rPr lang="zh-CN" altLang="en-US" sz="2400"/>
+              <a:t>分享</a:t>
+            </a:r>
+            <a:endParaRPr lang="zh-CN" altLang="en-US" sz="2400"/>
+          </a:p>
+        </p:txBody>
+      </p:sp>
+      <p:sp>
+        <p:nvSpPr>
+          <p:cNvPr id="2" name="文本框 1"/>
+          <p:cNvSpPr txBox="1"/>
+          <p:nvPr/>
+        </p:nvSpPr>
+        <p:spPr>
+          <a:xfrm>
+            <a:off x="3060065" y="3289935"/>
+            <a:ext cx="1325880" cy="368300"/>
+          </a:xfrm>
+          <a:prstGeom prst="rect">
+            <a:avLst/>
+          </a:prstGeom>
+          <a:noFill/>
+        </p:spPr>
+        <p:txBody>
+          <a:bodyPr wrap="none" rtlCol="0">
+            <a:spAutoFit/>
+          </a:bodyPr>
+          <a:p>
+            <a:r>
+              <a:rPr lang="zh-CN" altLang="en-US"/>
+              <a:t>（</a:t>
+            </a:r>
+            <a:r>
+              <a:rPr lang="zh-CN" altLang="en-US"/>
+              <a:t>看代码）</a:t>
+            </a:r>
+            <a:endParaRPr lang="zh-CN" altLang="en-US"/>
+          </a:p>
+        </p:txBody>
+      </p:sp>
+    </p:spTree>
+  </p:cSld>
+  <p:clrMapOvr>
+    <a:masterClrMapping/>
+  </p:clrMapOvr>
+</p:sld>
+</file>
+
+<file path=ppt/slides/slide12.xml><?xml version="1.0" encoding="utf-8"?>
+<p:sld xmlns:a="http://schemas.openxmlformats.org/drawingml/2006/main" xmlns:r="http://schemas.openxmlformats.org/officeDocument/2006/relationships" xmlns:p="http://schemas.openxmlformats.org/presentationml/2006/main">
+  <p:cSld>
+    <p:spTree>
+      <p:nvGrpSpPr>
+        <p:cNvPr id="1" name=""/>
+        <p:cNvGrpSpPr/>
+        <p:nvPr/>
+      </p:nvGrpSpPr>
+      <p:grpSpPr/>
+      <p:sp>
+        <p:nvSpPr>
+          <p:cNvPr id="4" name="文本框 3"/>
+          <p:cNvSpPr txBox="1"/>
+          <p:nvPr/>
+        </p:nvSpPr>
+        <p:spPr>
+          <a:xfrm>
+            <a:off x="721360" y="1463040"/>
+            <a:ext cx="7434580" cy="368300"/>
+          </a:xfrm>
+          <a:prstGeom prst="rect">
+            <a:avLst/>
+          </a:prstGeom>
+          <a:noFill/>
+        </p:spPr>
+        <p:txBody>
+          <a:bodyPr wrap="none" rtlCol="0">
+            <a:spAutoFit/>
+          </a:bodyPr>
+          <a:p>
+            <a:r>
+              <a:rPr lang="zh-CN" altLang="en-US"/>
+              <a:t>从</a:t>
+            </a:r>
+            <a:r>
+              <a:rPr lang="en-US" altLang="zh-CN"/>
+              <a:t>vue</a:t>
+            </a:r>
+            <a:r>
+              <a:rPr lang="zh-CN" altLang="en-US"/>
+              <a:t>实例引入</a:t>
+            </a:r>
+            <a:r>
+              <a:rPr lang="en-US" altLang="zh-CN"/>
+              <a:t>pinia</a:t>
+            </a:r>
+            <a:r>
+              <a:rPr lang="zh-CN" altLang="en-US"/>
+              <a:t>实例到子</a:t>
+            </a:r>
+            <a:r>
+              <a:rPr lang="zh-CN" altLang="en-US"/>
+              <a:t>组件使用共享数据这一过程所发生的</a:t>
+            </a:r>
+            <a:r>
+              <a:rPr lang="zh-CN" altLang="en-US"/>
+              <a:t>变化。</a:t>
+            </a:r>
+            <a:endParaRPr lang="zh-CN" altLang="en-US"/>
+          </a:p>
+        </p:txBody>
+      </p:sp>
+      <p:sp>
+        <p:nvSpPr>
+          <p:cNvPr id="5" name="文本框 4"/>
+          <p:cNvSpPr txBox="1"/>
+          <p:nvPr/>
+        </p:nvSpPr>
+        <p:spPr>
+          <a:xfrm>
+            <a:off x="755650" y="2785745"/>
+            <a:ext cx="8310880" cy="922020"/>
+          </a:xfrm>
+          <a:prstGeom prst="rect">
+            <a:avLst/>
+          </a:prstGeom>
+          <a:noFill/>
+        </p:spPr>
+        <p:txBody>
+          <a:bodyPr wrap="none" rtlCol="0">
+            <a:spAutoFit/>
+          </a:bodyPr>
+          <a:p>
+            <a:r>
+              <a:rPr lang="zh-CN" altLang="en-US"/>
+              <a:t>部分核心</a:t>
+            </a:r>
+            <a:r>
+              <a:rPr lang="zh-CN" altLang="en-US"/>
+              <a:t>源码：</a:t>
+            </a:r>
+            <a:endParaRPr lang="zh-CN" altLang="en-US"/>
+          </a:p>
+          <a:p>
+            <a:r>
+              <a:rPr lang="en-US" altLang="zh-CN"/>
+              <a:t>createPinia</a:t>
+            </a:r>
+            <a:r>
+              <a:rPr lang="zh-CN" altLang="en-US"/>
+              <a:t>、</a:t>
+            </a:r>
+            <a:r>
+              <a:rPr lang="en-US" altLang="zh-CN"/>
+              <a:t>PiniaVuePlugin-vue2</a:t>
+            </a:r>
+            <a:r>
+              <a:rPr lang="zh-CN" altLang="en-US"/>
+              <a:t>、</a:t>
+            </a:r>
+            <a:r>
+              <a:rPr lang="en-US" altLang="zh-CN"/>
+              <a:t>defineStore</a:t>
+            </a:r>
+            <a:endParaRPr lang="en-US" altLang="zh-CN"/>
+          </a:p>
+          <a:p>
+            <a:r>
+              <a:rPr lang="en-US" altLang="zh-CN"/>
+              <a:t>store.$onAction</a:t>
+            </a:r>
+            <a:r>
+              <a:rPr lang="zh-CN" altLang="en-US"/>
+              <a:t>、</a:t>
+            </a:r>
+            <a:r>
+              <a:rPr lang="en-US" altLang="zh-CN"/>
+              <a:t>store.$patch</a:t>
+            </a:r>
+            <a:r>
+              <a:rPr lang="zh-CN" altLang="en-US"/>
+              <a:t>、</a:t>
+            </a:r>
+            <a:r>
+              <a:rPr lang="en-US" altLang="zh-CN"/>
+              <a:t>store.$reset</a:t>
+            </a:r>
+            <a:r>
+              <a:rPr lang="zh-CN" altLang="en-US"/>
+              <a:t>、</a:t>
+            </a:r>
+            <a:r>
+              <a:rPr lang="en-US" altLang="zh-CN"/>
+              <a:t>store.$subscribe</a:t>
+            </a:r>
+            <a:r>
+              <a:rPr lang="zh-CN" altLang="en-US"/>
+              <a:t>、</a:t>
+            </a:r>
+            <a:r>
+              <a:rPr lang="en-US" altLang="zh-CN"/>
+              <a:t>store.$dispose</a:t>
+            </a:r>
+            <a:endParaRPr lang="en-US" altLang="zh-CN"/>
+          </a:p>
+        </p:txBody>
+      </p:sp>
+      <p:sp>
+        <p:nvSpPr>
+          <p:cNvPr id="6" name="文本框 5"/>
+          <p:cNvSpPr txBox="1"/>
+          <p:nvPr/>
+        </p:nvSpPr>
+        <p:spPr>
+          <a:xfrm>
+            <a:off x="828040" y="3865880"/>
+            <a:ext cx="5931535" cy="645160"/>
+          </a:xfrm>
+          <a:prstGeom prst="rect">
+            <a:avLst/>
+          </a:prstGeom>
+          <a:noFill/>
+        </p:spPr>
+        <p:txBody>
+          <a:bodyPr wrap="none" rtlCol="0">
+            <a:spAutoFit/>
+          </a:bodyPr>
+          <a:p>
+            <a:r>
+              <a:rPr lang="zh-CN" altLang="en-US"/>
+              <a:t>辅助</a:t>
+            </a:r>
+            <a:r>
+              <a:rPr lang="zh-CN" altLang="en-US"/>
+              <a:t>函数：</a:t>
+            </a:r>
+            <a:endParaRPr lang="zh-CN" altLang="en-US"/>
+          </a:p>
+          <a:p>
+            <a:r>
+              <a:rPr lang="en-US" altLang="zh-CN"/>
+              <a:t>mapState</a:t>
+            </a:r>
+            <a:r>
+              <a:rPr lang="zh-CN" altLang="en-US"/>
+              <a:t>、</a:t>
+            </a:r>
+            <a:r>
+              <a:rPr lang="en-US" altLang="zh-CN"/>
+              <a:t>mapWritableState</a:t>
+            </a:r>
+            <a:r>
+              <a:rPr lang="zh-CN" altLang="en-US"/>
+              <a:t>、</a:t>
+            </a:r>
+            <a:r>
+              <a:rPr lang="en-US" altLang="zh-CN"/>
+              <a:t>mapActions</a:t>
+            </a:r>
+            <a:r>
+              <a:rPr lang="zh-CN" altLang="en-US"/>
+              <a:t>、</a:t>
+            </a:r>
+            <a:r>
+              <a:rPr lang="en-US" altLang="zh-CN"/>
+              <a:t>mapGetter</a:t>
+            </a:r>
+            <a:endParaRPr lang="en-US" altLang="zh-CN"/>
+          </a:p>
+        </p:txBody>
+      </p:sp>
+    </p:spTree>
+  </p:cSld>
+  <p:clrMapOvr>
+    <a:masterClrMapping/>
+  </p:clrMapOvr>
+</p:sld>
+</file>
+
+<file path=ppt/slides/slide13.xml><?xml version="1.0" encoding="utf-8"?>
+<p:sld xmlns:a="http://schemas.openxmlformats.org/drawingml/2006/main" xmlns:r="http://schemas.openxmlformats.org/officeDocument/2006/relationships" xmlns:p="http://schemas.openxmlformats.org/presentationml/2006/main">
+  <p:cSld>
+    <p:spTree>
+      <p:nvGrpSpPr>
+        <p:cNvPr id="1" name=""/>
+        <p:cNvGrpSpPr/>
+        <p:nvPr/>
+      </p:nvGrpSpPr>
+      <p:grpSpPr/>
+      <p:sp>
+        <p:nvSpPr>
+          <p:cNvPr id="4" name="文本框 3"/>
+          <p:cNvSpPr txBox="1"/>
+          <p:nvPr/>
+        </p:nvSpPr>
+        <p:spPr>
+          <a:xfrm>
+            <a:off x="683895" y="1273175"/>
+            <a:ext cx="1097280" cy="460375"/>
+          </a:xfrm>
+          <a:prstGeom prst="rect">
+            <a:avLst/>
+          </a:prstGeom>
+          <a:noFill/>
+        </p:spPr>
+        <p:txBody>
+          <a:bodyPr wrap="none" rtlCol="0">
+            <a:spAutoFit/>
+          </a:bodyPr>
+          <a:p>
+            <a:r>
+              <a:rPr lang="zh-CN" altLang="en-US" sz="2400"/>
+              <a:t>总结：</a:t>
+            </a:r>
+            <a:endParaRPr lang="zh-CN" altLang="en-US" sz="2400"/>
+          </a:p>
+        </p:txBody>
+      </p:sp>
+      <p:sp>
+        <p:nvSpPr>
+          <p:cNvPr id="7" name="文本框 6"/>
+          <p:cNvSpPr txBox="1"/>
+          <p:nvPr/>
+        </p:nvSpPr>
+        <p:spPr>
+          <a:xfrm>
+            <a:off x="539750" y="2137410"/>
+            <a:ext cx="5998210" cy="368300"/>
+          </a:xfrm>
+          <a:prstGeom prst="rect">
+            <a:avLst/>
+          </a:prstGeom>
+          <a:noFill/>
+        </p:spPr>
+        <p:txBody>
+          <a:bodyPr wrap="none" rtlCol="0">
+            <a:spAutoFit/>
+          </a:bodyPr>
+          <a:p>
+            <a:r>
+              <a:rPr lang="en-US" altLang="zh-CN"/>
+              <a:t>pinia</a:t>
+            </a:r>
+            <a:r>
+              <a:rPr lang="zh-CN" altLang="en-US"/>
+              <a:t>是</a:t>
+            </a:r>
+            <a:r>
+              <a:rPr lang="en-US" altLang="zh-CN"/>
+              <a:t>Vue.js</a:t>
+            </a:r>
+            <a:r>
+              <a:rPr lang="zh-CN" altLang="en-US"/>
+              <a:t>的轻量级状态管理库，适用于</a:t>
+            </a:r>
+            <a:r>
+              <a:rPr lang="en-US" altLang="zh-CN"/>
+              <a:t>Vue2</a:t>
+            </a:r>
+            <a:r>
+              <a:rPr lang="zh-CN" altLang="en-US"/>
+              <a:t>和</a:t>
+            </a:r>
+            <a:r>
+              <a:rPr lang="en-US" altLang="zh-CN"/>
+              <a:t>Vue3</a:t>
+            </a:r>
+            <a:r>
+              <a:rPr lang="zh-CN" altLang="en-US"/>
+              <a:t>。</a:t>
+            </a:r>
+            <a:endParaRPr lang="zh-CN" altLang="en-US"/>
+          </a:p>
+        </p:txBody>
+      </p:sp>
+      <p:sp>
+        <p:nvSpPr>
+          <p:cNvPr id="8" name="文本框 7"/>
+          <p:cNvSpPr txBox="1"/>
+          <p:nvPr/>
+        </p:nvSpPr>
+        <p:spPr>
+          <a:xfrm>
+            <a:off x="449580" y="2497455"/>
+            <a:ext cx="8244840" cy="1476375"/>
+          </a:xfrm>
+          <a:prstGeom prst="rect">
+            <a:avLst/>
+          </a:prstGeom>
+          <a:noFill/>
+        </p:spPr>
+        <p:txBody>
+          <a:bodyPr wrap="none" rtlCol="0">
+            <a:spAutoFit/>
+          </a:bodyPr>
+          <a:p>
+            <a:pPr marL="285750" indent="-285750" algn="l">
+              <a:buFont typeface="Arial" panose="020B0604020202020204" pitchFamily="34" charset="0"/>
+              <a:buChar char="•"/>
+            </a:pPr>
+            <a:r>
+              <a:rPr lang="zh-CN" altLang="en-US"/>
+              <a:t>pinia和vuex4一样，也是vue官方的状态管理工具(作者是 Vue 核心团队成员）</a:t>
+            </a:r>
+            <a:endParaRPr lang="zh-CN" altLang="en-US"/>
+          </a:p>
+          <a:p>
+            <a:pPr marL="285750" indent="-285750" algn="l">
+              <a:buFont typeface="Arial" panose="020B0604020202020204" pitchFamily="34" charset="0"/>
+              <a:buChar char="•"/>
+            </a:pPr>
+            <a:r>
+              <a:rPr lang="zh-CN" altLang="en-US"/>
+              <a:t>pinia相比vuex4，对于vue3的兼容性更好</a:t>
+            </a:r>
+            <a:endParaRPr lang="zh-CN" altLang="en-US"/>
+          </a:p>
+          <a:p>
+            <a:pPr marL="285750" indent="-285750" algn="l">
+              <a:buFont typeface="Arial" panose="020B0604020202020204" pitchFamily="34" charset="0"/>
+              <a:buChar char="•"/>
+            </a:pPr>
+            <a:r>
+              <a:rPr lang="zh-CN" altLang="en-US"/>
+              <a:t>pinia相比vuex4，具备完善的类型推荐</a:t>
+            </a:r>
+            <a:endParaRPr lang="zh-CN" altLang="en-US"/>
+          </a:p>
+          <a:p>
+            <a:pPr marL="285750" indent="-285750" algn="l">
+              <a:buFont typeface="Arial" panose="020B0604020202020204" pitchFamily="34" charset="0"/>
+              <a:buChar char="•"/>
+            </a:pPr>
+            <a:r>
+              <a:rPr lang="zh-CN" altLang="en-US"/>
+              <a:t>pinia同样支持vue开发者工具,最新的开发者工具对vuex4支持不好</a:t>
+            </a:r>
+            <a:endParaRPr lang="zh-CN" altLang="en-US"/>
+          </a:p>
+          <a:p>
+            <a:pPr marL="285750" indent="-285750" algn="l">
+              <a:buFont typeface="Arial" panose="020B0604020202020204" pitchFamily="34" charset="0"/>
+              <a:buChar char="•"/>
+            </a:pPr>
+            <a:r>
+              <a:rPr lang="zh-CN" altLang="en-US"/>
+              <a:t>Pinia 的 API 设计非常接近 Vuex 5 的提案。</a:t>
+            </a:r>
+            <a:endParaRPr lang="zh-CN" altLang="en-US"/>
+          </a:p>
+        </p:txBody>
+      </p:sp>
+      <p:sp>
+        <p:nvSpPr>
+          <p:cNvPr id="9" name="文本框 8"/>
+          <p:cNvSpPr txBox="1"/>
+          <p:nvPr/>
+        </p:nvSpPr>
+        <p:spPr>
+          <a:xfrm>
+            <a:off x="539750" y="4225925"/>
+            <a:ext cx="6678930" cy="1198880"/>
+          </a:xfrm>
+          <a:prstGeom prst="rect">
+            <a:avLst/>
+          </a:prstGeom>
+          <a:noFill/>
+        </p:spPr>
+        <p:txBody>
+          <a:bodyPr wrap="none" rtlCol="0">
+            <a:spAutoFit/>
+          </a:bodyPr>
+          <a:p>
+            <a:pPr algn="l"/>
+            <a:r>
+              <a:rPr lang="zh-CN" altLang="en-US"/>
+              <a:t>只有三个核心</a:t>
+            </a:r>
+            <a:r>
+              <a:rPr lang="zh-CN" altLang="en-US"/>
+              <a:t>属性</a:t>
+            </a:r>
+            <a:endParaRPr lang="zh-CN" altLang="en-US"/>
+          </a:p>
+          <a:p>
+            <a:pPr marL="285750" indent="-285750" algn="l">
+              <a:buFont typeface="Arial" panose="020B0604020202020204" pitchFamily="34" charset="0"/>
+              <a:buChar char="•"/>
+            </a:pPr>
+            <a:r>
+              <a:rPr lang="zh-CN" altLang="en-US"/>
+              <a:t>state: 状态</a:t>
+            </a:r>
+            <a:endParaRPr lang="zh-CN" altLang="en-US"/>
+          </a:p>
+          <a:p>
+            <a:pPr marL="285750" indent="-285750" algn="l">
+              <a:buFont typeface="Arial" panose="020B0604020202020204" pitchFamily="34" charset="0"/>
+              <a:buChar char="•"/>
+            </a:pPr>
+            <a:r>
+              <a:rPr lang="zh-CN" altLang="en-US"/>
+              <a:t>actions: 修改状态（包括同步和异步，pinia中没有mutations）</a:t>
+            </a:r>
+            <a:endParaRPr lang="zh-CN" altLang="en-US"/>
+          </a:p>
+          <a:p>
+            <a:pPr marL="285750" indent="-285750" algn="l">
+              <a:buFont typeface="Arial" panose="020B0604020202020204" pitchFamily="34" charset="0"/>
+              <a:buChar char="•"/>
+            </a:pPr>
+            <a:r>
+              <a:rPr lang="zh-CN" altLang="en-US"/>
+              <a:t>getters: 计算属性</a:t>
+            </a:r>
+            <a:endParaRPr lang="zh-CN" altLang="en-US"/>
+          </a:p>
+        </p:txBody>
+      </p:sp>
+    </p:spTree>
+  </p:cSld>
+  <p:clrMapOvr>
+    <a:masterClrMapping/>
+  </p:clrMapOvr>
+</p:sld>
+</file>
+
+<file path=ppt/slides/slide14.xml><?xml version="1.0" encoding="utf-8"?>
 <p:sld xmlns:a="http://schemas.openxmlformats.org/drawingml/2006/main" xmlns:r="http://schemas.openxmlformats.org/officeDocument/2006/relationships" xmlns:p="http://schemas.openxmlformats.org/presentationml/2006/main">
   <p:cSld>
     <p:spTree>
@@ -2996,7 +3718,11 @@
             </a:r>
             <a:r>
               <a:rPr lang="zh-CN" altLang="en-US" sz="3200"/>
-              <a:t>的优点</a:t>
+              <a:t>的</a:t>
+            </a:r>
+            <a:r>
+              <a:rPr lang="zh-CN" altLang="en-US" sz="3200"/>
+              <a:t>特点</a:t>
             </a:r>
             <a:endParaRPr lang="zh-CN" altLang="en-US" sz="3200"/>
           </a:p>
@@ -3530,7 +4256,7 @@
         <p:spPr>
           <a:xfrm>
             <a:off x="611505" y="1344930"/>
-            <a:ext cx="1351280" cy="368300"/>
+            <a:ext cx="1741805" cy="460375"/>
           </a:xfrm>
           <a:prstGeom prst="rect">
             <a:avLst/>
@@ -3543,18 +4269,18 @@
           </a:bodyPr>
           <a:p>
             <a:r>
-              <a:rPr lang="en-US" altLang="zh-CN"/>
+              <a:rPr lang="en-US" altLang="zh-CN" sz="2400"/>
               <a:t>pinia</a:t>
             </a:r>
             <a:r>
-              <a:rPr lang="zh-CN" altLang="en-US"/>
+              <a:rPr lang="zh-CN" altLang="en-US" sz="2400"/>
               <a:t>的</a:t>
             </a:r>
             <a:r>
-              <a:rPr lang="zh-CN" altLang="en-US"/>
-              <a:t>优点</a:t>
-            </a:r>
-            <a:endParaRPr lang="zh-CN" altLang="en-US"/>
+              <a:rPr lang="zh-CN" altLang="en-US" sz="2400"/>
+              <a:t>特点</a:t>
+            </a:r>
+            <a:endParaRPr lang="zh-CN" altLang="en-US" sz="2400"/>
           </a:p>
         </p:txBody>
       </p:sp>
@@ -3566,7 +4292,7 @@
         </p:nvSpPr>
         <p:spPr>
           <a:xfrm>
-            <a:off x="539115" y="2281555"/>
+            <a:off x="539750" y="2281555"/>
             <a:ext cx="8533130" cy="2861310"/>
           </a:xfrm>
           <a:prstGeom prst="rect">
@@ -3782,11 +4508,7 @@
             <a:pPr algn="l"/>
             <a:r>
               <a:rPr lang="zh-CN" altLang="en-US"/>
-              <a:t>插件扩展</a:t>
-            </a:r>
-            <a:r>
-              <a:rPr lang="zh-CN" altLang="en-US"/>
-              <a:t>简单，可以针对某个容器做定制化持久化存储；</a:t>
+              <a:t>插件扩展简单，可以针对某个容器做定制化持久化存储；</a:t>
             </a:r>
             <a:endParaRPr lang="zh-CN" altLang="en-US"/>
           </a:p>
@@ -3843,6 +4565,39 @@
           </a:p>
         </p:txBody>
       </p:sp>
+      <p:sp>
+        <p:nvSpPr>
+          <p:cNvPr id="2" name="文本框 1"/>
+          <p:cNvSpPr txBox="1"/>
+          <p:nvPr/>
+        </p:nvSpPr>
+        <p:spPr>
+          <a:xfrm>
+            <a:off x="3060065" y="3289935"/>
+            <a:ext cx="1325880" cy="368300"/>
+          </a:xfrm>
+          <a:prstGeom prst="rect">
+            <a:avLst/>
+          </a:prstGeom>
+          <a:noFill/>
+        </p:spPr>
+        <p:txBody>
+          <a:bodyPr wrap="none" rtlCol="0">
+            <a:spAutoFit/>
+          </a:bodyPr>
+          <a:p>
+            <a:r>
+              <a:rPr lang="zh-CN" altLang="en-US"/>
+              <a:t>（</a:t>
+            </a:r>
+            <a:r>
+              <a:rPr lang="zh-CN" altLang="en-US"/>
+              <a:t>看代码）</a:t>
+            </a:r>
+            <a:endParaRPr lang="zh-CN" altLang="en-US"/>
+          </a:p>
+        </p:txBody>
+      </p:sp>
     </p:spTree>
   </p:cSld>
   <p:clrMapOvr>
@@ -3863,14 +4618,14 @@
       <p:grpSpPr/>
       <p:sp>
         <p:nvSpPr>
-          <p:cNvPr id="6" name="文本框 5"/>
+          <p:cNvPr id="4" name="文本框 3"/>
           <p:cNvSpPr txBox="1"/>
           <p:nvPr/>
         </p:nvSpPr>
         <p:spPr>
           <a:xfrm>
-            <a:off x="2628265" y="2673350"/>
-            <a:ext cx="2656205" cy="460375"/>
+            <a:off x="932815" y="1381125"/>
+            <a:ext cx="2456180" cy="368300"/>
           </a:xfrm>
           <a:prstGeom prst="rect">
             <a:avLst/>
@@ -3883,18 +4638,91 @@
           </a:bodyPr>
           <a:p>
             <a:r>
-              <a:rPr lang="en-US" altLang="zh-CN" sz="2400"/>
+              <a:rPr lang="zh-CN" altLang="en-US"/>
+              <a:t>安装</a:t>
+            </a:r>
+            <a:r>
+              <a:rPr lang="en-US" altLang="zh-CN"/>
               <a:t>pinia</a:t>
             </a:r>
             <a:r>
-              <a:rPr lang="zh-CN" altLang="en-US" sz="2400"/>
-              <a:t>核心源码</a:t>
-            </a:r>
-            <a:r>
-              <a:rPr lang="zh-CN" altLang="en-US" sz="2400"/>
-              <a:t>分享</a:t>
-            </a:r>
-            <a:endParaRPr lang="zh-CN" altLang="en-US" sz="2400"/>
+              <a:rPr lang="zh-CN" altLang="en-US"/>
+              <a:t>：</a:t>
+            </a:r>
+            <a:r>
+              <a:rPr lang="en-US" altLang="zh-CN"/>
+              <a:t>npm i pinia</a:t>
+            </a:r>
+            <a:endParaRPr lang="en-US" altLang="zh-CN"/>
+          </a:p>
+        </p:txBody>
+      </p:sp>
+      <p:pic>
+        <p:nvPicPr>
+          <p:cNvPr id="9" name="图片 8" descr="code"/>
+          <p:cNvPicPr>
+            <a:picLocks noChangeAspect="1"/>
+          </p:cNvPicPr>
+          <p:nvPr/>
+        </p:nvPicPr>
+        <p:blipFill>
+          <a:blip r:embed="rId1"/>
+          <a:stretch>
+            <a:fillRect/>
+          </a:stretch>
+        </p:blipFill>
+        <p:spPr>
+          <a:xfrm>
+            <a:off x="932815" y="2353310"/>
+            <a:ext cx="3723640" cy="3139440"/>
+          </a:xfrm>
+          <a:prstGeom prst="rect">
+            <a:avLst/>
+          </a:prstGeom>
+        </p:spPr>
+      </p:pic>
+      <p:sp>
+        <p:nvSpPr>
+          <p:cNvPr id="11" name="文本框 10"/>
+          <p:cNvSpPr txBox="1"/>
+          <p:nvPr/>
+        </p:nvSpPr>
+        <p:spPr>
+          <a:xfrm>
+            <a:off x="932815" y="1993265"/>
+            <a:ext cx="2976880" cy="368300"/>
+          </a:xfrm>
+          <a:prstGeom prst="rect">
+            <a:avLst/>
+          </a:prstGeom>
+          <a:noFill/>
+        </p:spPr>
+        <p:txBody>
+          <a:bodyPr wrap="none" rtlCol="0">
+            <a:spAutoFit/>
+          </a:bodyPr>
+          <a:p>
+            <a:r>
+              <a:rPr lang="zh-CN" altLang="en-US"/>
+              <a:t>引入</a:t>
+            </a:r>
+            <a:r>
+              <a:rPr lang="en-US" altLang="zh-CN"/>
+              <a:t>pinia</a:t>
+            </a:r>
+            <a:r>
+              <a:rPr lang="zh-CN" altLang="en-US"/>
+              <a:t>，创建</a:t>
+            </a:r>
+            <a:r>
+              <a:rPr lang="en-US" altLang="zh-CN"/>
+              <a:t>pinia</a:t>
+            </a:r>
+            <a:r>
+              <a:rPr lang="zh-CN" altLang="en-US"/>
+              <a:t>实例。</a:t>
+            </a:r>
+            <a:endParaRPr lang="zh-CN" altLang="en-US"/>
           </a:p>
         </p:txBody>
       </p:sp>

--- a/pinia介绍.pptx
+++ b/pinia介绍.pptx
@@ -5,25 +5,27 @@
     <p:sldMasterId id="2147483648" r:id="rId1"/>
   </p:sldMasterIdLst>
   <p:sldIdLst>
-    <p:sldId id="256" r:id="rId3"/>
-    <p:sldId id="265" r:id="rId4"/>
-    <p:sldId id="274" r:id="rId5"/>
-    <p:sldId id="278" r:id="rId6"/>
-    <p:sldId id="281" r:id="rId7"/>
-    <p:sldId id="282" r:id="rId8"/>
-    <p:sldId id="283" r:id="rId9"/>
-    <p:sldId id="284" r:id="rId10"/>
-    <p:sldId id="289" r:id="rId11"/>
-    <p:sldId id="290" r:id="rId12"/>
-    <p:sldId id="285" r:id="rId13"/>
-    <p:sldId id="291" r:id="rId14"/>
-    <p:sldId id="288" r:id="rId15"/>
-    <p:sldId id="287" r:id="rId16"/>
+    <p:sldId id="295" r:id="rId3"/>
+    <p:sldId id="256" r:id="rId4"/>
+    <p:sldId id="265" r:id="rId5"/>
+    <p:sldId id="274" r:id="rId6"/>
+    <p:sldId id="278" r:id="rId7"/>
+    <p:sldId id="281" r:id="rId8"/>
+    <p:sldId id="282" r:id="rId9"/>
+    <p:sldId id="283" r:id="rId10"/>
+    <p:sldId id="284" r:id="rId11"/>
+    <p:sldId id="289" r:id="rId12"/>
+    <p:sldId id="290" r:id="rId13"/>
+    <p:sldId id="285" r:id="rId14"/>
+    <p:sldId id="291" r:id="rId15"/>
+    <p:sldId id="288" r:id="rId16"/>
+    <p:sldId id="287" r:id="rId17"/>
+    <p:sldId id="296" r:id="rId18"/>
   </p:sldIdLst>
   <p:sldSz cx="9144000" cy="5715000"/>
   <p:notesSz cx="6858000" cy="9144000"/>
   <p:custDataLst>
-    <p:tags r:id="rId21"/>
+    <p:tags r:id="rId23"/>
   </p:custDataLst>
   <p:defaultTextStyle>
     <a:defPPr>
@@ -2766,42 +2768,9 @@
         <p:nvPr/>
       </p:nvGrpSpPr>
       <p:grpSpPr/>
-      <p:sp>
-        <p:nvSpPr>
-          <p:cNvPr id="2" name="文本框 1"/>
-          <p:cNvSpPr txBox="1"/>
-          <p:nvPr/>
-        </p:nvSpPr>
-        <p:spPr>
-          <a:xfrm>
-            <a:off x="4211955" y="1849755"/>
-            <a:ext cx="3598545" cy="768350"/>
-          </a:xfrm>
-          <a:prstGeom prst="rect">
-            <a:avLst/>
-          </a:prstGeom>
-          <a:noFill/>
-        </p:spPr>
-        <p:txBody>
-          <a:bodyPr wrap="none" rtlCol="0">
-            <a:spAutoFit/>
-          </a:bodyPr>
-          <a:p>
-            <a:r>
-              <a:rPr lang="en-US" altLang="zh-CN" sz="4400"/>
-              <a:t>pinia</a:t>
-            </a:r>
-            <a:r>
-              <a:rPr lang="zh-CN" altLang="en-US" sz="4400"/>
-              <a:t>入门指南</a:t>
-            </a:r>
-            <a:endParaRPr lang="zh-CN" altLang="en-US" sz="4400"/>
-          </a:p>
-        </p:txBody>
-      </p:sp>
       <p:pic>
         <p:nvPicPr>
-          <p:cNvPr id="4" name="图片 3" descr="image-20220630203603627"/>
+          <p:cNvPr id="2" name="图片 2" descr="IMG_256"/>
           <p:cNvPicPr>
             <a:picLocks noChangeAspect="1"/>
           </p:cNvPicPr>
@@ -2815,12 +2784,16 @@
         </p:blipFill>
         <p:spPr>
           <a:xfrm>
-            <a:off x="7740650" y="1273175"/>
-            <a:ext cx="1162050" cy="1585595"/>
-          </a:xfrm>
-          <a:prstGeom prst="rect">
-            <a:avLst/>
-          </a:prstGeom>
+            <a:off x="4572000" y="1417320"/>
+            <a:ext cx="4106545" cy="4106545"/>
+          </a:xfrm>
+          <a:prstGeom prst="rect">
+            <a:avLst/>
+          </a:prstGeom>
+          <a:noFill/>
+          <a:ln w="9525">
+            <a:noFill/>
+          </a:ln>
         </p:spPr>
       </p:pic>
       <p:sp>
@@ -2831,8 +2804,8 @@
         </p:nvSpPr>
         <p:spPr>
           <a:xfrm>
-            <a:off x="5868035" y="5161915"/>
-            <a:ext cx="2792095" cy="368300"/>
+            <a:off x="6227445" y="841375"/>
+            <a:ext cx="795020" cy="460375"/>
           </a:xfrm>
           <a:prstGeom prst="rect">
             <a:avLst/>
@@ -2840,19 +2813,15 @@
           <a:noFill/>
         </p:spPr>
         <p:txBody>
-          <a:bodyPr wrap="square" rtlCol="0">
+          <a:bodyPr wrap="none" rtlCol="0">
             <a:spAutoFit/>
           </a:bodyPr>
           <a:p>
             <a:r>
-              <a:rPr lang="zh-CN" altLang="en-US"/>
-              <a:t>主讲：杨</a:t>
-            </a:r>
-            <a:r>
-              <a:rPr lang="zh-CN" altLang="en-US"/>
-              <a:t>龙</a:t>
-            </a:r>
-            <a:endParaRPr lang="zh-CN" altLang="en-US"/>
+              <a:rPr lang="zh-CN" altLang="en-US" sz="2400" b="1"/>
+              <a:t>签到</a:t>
+            </a:r>
+            <a:endParaRPr lang="zh-CN" altLang="en-US" sz="2400" b="1"/>
           </a:p>
         </p:txBody>
       </p:sp>
@@ -2865,6 +2834,134 @@
 </file>
 
 <file path=ppt/slides/slide10.xml><?xml version="1.0" encoding="utf-8"?>
+<p:sld xmlns:a="http://schemas.openxmlformats.org/drawingml/2006/main" xmlns:r="http://schemas.openxmlformats.org/officeDocument/2006/relationships" xmlns:p="http://schemas.openxmlformats.org/presentationml/2006/main">
+  <p:cSld>
+    <p:spTree>
+      <p:nvGrpSpPr>
+        <p:cNvPr id="1" name=""/>
+        <p:cNvGrpSpPr/>
+        <p:nvPr/>
+      </p:nvGrpSpPr>
+      <p:grpSpPr/>
+      <p:sp>
+        <p:nvSpPr>
+          <p:cNvPr id="4" name="文本框 3"/>
+          <p:cNvSpPr txBox="1"/>
+          <p:nvPr/>
+        </p:nvSpPr>
+        <p:spPr>
+          <a:xfrm>
+            <a:off x="932815" y="1381125"/>
+            <a:ext cx="2456180" cy="368300"/>
+          </a:xfrm>
+          <a:prstGeom prst="rect">
+            <a:avLst/>
+          </a:prstGeom>
+          <a:noFill/>
+        </p:spPr>
+        <p:txBody>
+          <a:bodyPr wrap="none" rtlCol="0">
+            <a:spAutoFit/>
+          </a:bodyPr>
+          <a:p>
+            <a:r>
+              <a:rPr lang="zh-CN" altLang="en-US"/>
+              <a:t>安装</a:t>
+            </a:r>
+            <a:r>
+              <a:rPr lang="en-US" altLang="zh-CN"/>
+              <a:t>pinia</a:t>
+            </a:r>
+            <a:r>
+              <a:rPr lang="zh-CN" altLang="en-US"/>
+              <a:t>：</a:t>
+            </a:r>
+            <a:r>
+              <a:rPr lang="en-US" altLang="zh-CN"/>
+              <a:t>npm i pinia</a:t>
+            </a:r>
+            <a:endParaRPr lang="en-US" altLang="zh-CN"/>
+          </a:p>
+        </p:txBody>
+      </p:sp>
+      <p:pic>
+        <p:nvPicPr>
+          <p:cNvPr id="9" name="图片 8" descr="code"/>
+          <p:cNvPicPr>
+            <a:picLocks noChangeAspect="1"/>
+          </p:cNvPicPr>
+          <p:nvPr/>
+        </p:nvPicPr>
+        <p:blipFill>
+          <a:blip r:embed="rId1"/>
+          <a:stretch>
+            <a:fillRect/>
+          </a:stretch>
+        </p:blipFill>
+        <p:spPr>
+          <a:xfrm>
+            <a:off x="932815" y="2353310"/>
+            <a:ext cx="3723640" cy="3139440"/>
+          </a:xfrm>
+          <a:prstGeom prst="rect">
+            <a:avLst/>
+          </a:prstGeom>
+        </p:spPr>
+      </p:pic>
+      <p:sp>
+        <p:nvSpPr>
+          <p:cNvPr id="11" name="文本框 10"/>
+          <p:cNvSpPr txBox="1"/>
+          <p:nvPr/>
+        </p:nvSpPr>
+        <p:spPr>
+          <a:xfrm>
+            <a:off x="932815" y="1993265"/>
+            <a:ext cx="2976880" cy="368300"/>
+          </a:xfrm>
+          <a:prstGeom prst="rect">
+            <a:avLst/>
+          </a:prstGeom>
+          <a:noFill/>
+        </p:spPr>
+        <p:txBody>
+          <a:bodyPr wrap="none" rtlCol="0">
+            <a:spAutoFit/>
+          </a:bodyPr>
+          <a:p>
+            <a:r>
+              <a:rPr lang="zh-CN" altLang="en-US"/>
+              <a:t>引入</a:t>
+            </a:r>
+            <a:r>
+              <a:rPr lang="en-US" altLang="zh-CN"/>
+              <a:t>pinia</a:t>
+            </a:r>
+            <a:r>
+              <a:rPr lang="zh-CN" altLang="en-US"/>
+              <a:t>，创建</a:t>
+            </a:r>
+            <a:r>
+              <a:rPr lang="en-US" altLang="zh-CN"/>
+              <a:t>pinia</a:t>
+            </a:r>
+            <a:r>
+              <a:rPr lang="zh-CN" altLang="en-US"/>
+              <a:t>实例。</a:t>
+            </a:r>
+            <a:endParaRPr lang="zh-CN" altLang="en-US"/>
+          </a:p>
+        </p:txBody>
+      </p:sp>
+    </p:spTree>
+  </p:cSld>
+  <p:clrMapOvr>
+    <a:masterClrMapping/>
+  </p:clrMapOvr>
+</p:sld>
+</file>
+
+<file path=ppt/slides/slide11.xml><?xml version="1.0" encoding="utf-8"?>
 <p:sld xmlns:a="http://schemas.openxmlformats.org/drawingml/2006/main" xmlns:r="http://schemas.openxmlformats.org/officeDocument/2006/relationships" xmlns:p="http://schemas.openxmlformats.org/presentationml/2006/main">
   <p:cSld>
     <p:spTree>
@@ -2996,94 +3093,6 @@
 </p:sld>
 </file>
 
-<file path=ppt/slides/slide11.xml><?xml version="1.0" encoding="utf-8"?>
-<p:sld xmlns:a="http://schemas.openxmlformats.org/drawingml/2006/main" xmlns:r="http://schemas.openxmlformats.org/officeDocument/2006/relationships" xmlns:p="http://schemas.openxmlformats.org/presentationml/2006/main">
-  <p:cSld>
-    <p:spTree>
-      <p:nvGrpSpPr>
-        <p:cNvPr id="1" name=""/>
-        <p:cNvGrpSpPr/>
-        <p:nvPr/>
-      </p:nvGrpSpPr>
-      <p:grpSpPr/>
-      <p:sp>
-        <p:nvSpPr>
-          <p:cNvPr id="6" name="文本框 5"/>
-          <p:cNvSpPr txBox="1"/>
-          <p:nvPr/>
-        </p:nvSpPr>
-        <p:spPr>
-          <a:xfrm>
-            <a:off x="2628265" y="2673350"/>
-            <a:ext cx="2656205" cy="460375"/>
-          </a:xfrm>
-          <a:prstGeom prst="rect">
-            <a:avLst/>
-          </a:prstGeom>
-          <a:noFill/>
-        </p:spPr>
-        <p:txBody>
-          <a:bodyPr wrap="none" rtlCol="0">
-            <a:spAutoFit/>
-          </a:bodyPr>
-          <a:p>
-            <a:r>
-              <a:rPr lang="en-US" altLang="zh-CN" sz="2400"/>
-              <a:t>pinia</a:t>
-            </a:r>
-            <a:r>
-              <a:rPr lang="zh-CN" altLang="en-US" sz="2400"/>
-              <a:t>核心源码</a:t>
-            </a:r>
-            <a:r>
-              <a:rPr lang="zh-CN" altLang="en-US" sz="2400"/>
-              <a:t>分享</a:t>
-            </a:r>
-            <a:endParaRPr lang="zh-CN" altLang="en-US" sz="2400"/>
-          </a:p>
-        </p:txBody>
-      </p:sp>
-      <p:sp>
-        <p:nvSpPr>
-          <p:cNvPr id="2" name="文本框 1"/>
-          <p:cNvSpPr txBox="1"/>
-          <p:nvPr/>
-        </p:nvSpPr>
-        <p:spPr>
-          <a:xfrm>
-            <a:off x="3060065" y="3289935"/>
-            <a:ext cx="1325880" cy="368300"/>
-          </a:xfrm>
-          <a:prstGeom prst="rect">
-            <a:avLst/>
-          </a:prstGeom>
-          <a:noFill/>
-        </p:spPr>
-        <p:txBody>
-          <a:bodyPr wrap="none" rtlCol="0">
-            <a:spAutoFit/>
-          </a:bodyPr>
-          <a:p>
-            <a:r>
-              <a:rPr lang="zh-CN" altLang="en-US"/>
-              <a:t>（</a:t>
-            </a:r>
-            <a:r>
-              <a:rPr lang="zh-CN" altLang="en-US"/>
-              <a:t>看代码）</a:t>
-            </a:r>
-            <a:endParaRPr lang="zh-CN" altLang="en-US"/>
-          </a:p>
-        </p:txBody>
-      </p:sp>
-    </p:spTree>
-  </p:cSld>
-  <p:clrMapOvr>
-    <a:masterClrMapping/>
-  </p:clrMapOvr>
-</p:sld>
-</file>
-
 <file path=ppt/slides/slide12.xml><?xml version="1.0" encoding="utf-8"?>
 <p:sld xmlns:a="http://schemas.openxmlformats.org/drawingml/2006/main" xmlns:r="http://schemas.openxmlformats.org/officeDocument/2006/relationships" xmlns:p="http://schemas.openxmlformats.org/presentationml/2006/main">
   <p:cSld>
@@ -3096,14 +3105,14 @@
       <p:grpSpPr/>
       <p:sp>
         <p:nvSpPr>
-          <p:cNvPr id="4" name="文本框 3"/>
+          <p:cNvPr id="6" name="文本框 5"/>
           <p:cNvSpPr txBox="1"/>
           <p:nvPr/>
         </p:nvSpPr>
         <p:spPr>
           <a:xfrm>
-            <a:off x="721360" y="1463040"/>
-            <a:ext cx="7434580" cy="368300"/>
+            <a:off x="2628265" y="2673350"/>
+            <a:ext cx="2656205" cy="460375"/>
           </a:xfrm>
           <a:prstGeom prst="rect">
             <a:avLst/>
@@ -3116,47 +3125,31 @@
           </a:bodyPr>
           <a:p>
             <a:r>
-              <a:rPr lang="zh-CN" altLang="en-US"/>
-              <a:t>从</a:t>
-            </a:r>
-            <a:r>
-              <a:rPr lang="en-US" altLang="zh-CN"/>
-              <a:t>vue</a:t>
-            </a:r>
-            <a:r>
-              <a:rPr lang="zh-CN" altLang="en-US"/>
-              <a:t>实例引入</a:t>
-            </a:r>
-            <a:r>
-              <a:rPr lang="en-US" altLang="zh-CN"/>
+              <a:rPr lang="en-US" altLang="zh-CN" sz="2400"/>
               <a:t>pinia</a:t>
             </a:r>
             <a:r>
-              <a:rPr lang="zh-CN" altLang="en-US"/>
-              <a:t>实例到子</a:t>
-            </a:r>
-            <a:r>
-              <a:rPr lang="zh-CN" altLang="en-US"/>
-              <a:t>组件使用共享数据这一过程所发生的</a:t>
-            </a:r>
-            <a:r>
-              <a:rPr lang="zh-CN" altLang="en-US"/>
-              <a:t>变化。</a:t>
-            </a:r>
-            <a:endParaRPr lang="zh-CN" altLang="en-US"/>
-          </a:p>
-        </p:txBody>
-      </p:sp>
-      <p:sp>
-        <p:nvSpPr>
-          <p:cNvPr id="5" name="文本框 4"/>
+              <a:rPr lang="zh-CN" altLang="en-US" sz="2400"/>
+              <a:t>核心源码</a:t>
+            </a:r>
+            <a:r>
+              <a:rPr lang="zh-CN" altLang="en-US" sz="2400"/>
+              <a:t>分享</a:t>
+            </a:r>
+            <a:endParaRPr lang="zh-CN" altLang="en-US" sz="2400"/>
+          </a:p>
+        </p:txBody>
+      </p:sp>
+      <p:sp>
+        <p:nvSpPr>
+          <p:cNvPr id="2" name="文本框 1"/>
           <p:cNvSpPr txBox="1"/>
           <p:nvPr/>
         </p:nvSpPr>
         <p:spPr>
           <a:xfrm>
-            <a:off x="755650" y="2785745"/>
-            <a:ext cx="8310880" cy="922020"/>
+            <a:off x="3060065" y="3289935"/>
+            <a:ext cx="1325880" cy="368300"/>
           </a:xfrm>
           <a:prstGeom prst="rect">
             <a:avLst/>
@@ -3170,139 +3163,13 @@
           <a:p>
             <a:r>
               <a:rPr lang="zh-CN" altLang="en-US"/>
-              <a:t>部分核心</a:t>
-            </a:r>
-            <a:r>
-              <a:rPr lang="zh-CN" altLang="en-US"/>
-              <a:t>源码：</a:t>
+              <a:t>（</a:t>
+            </a:r>
+            <a:r>
+              <a:rPr lang="zh-CN" altLang="en-US"/>
+              <a:t>看代码）</a:t>
             </a:r>
             <a:endParaRPr lang="zh-CN" altLang="en-US"/>
-          </a:p>
-          <a:p>
-            <a:r>
-              <a:rPr lang="en-US" altLang="zh-CN"/>
-              <a:t>createPinia</a:t>
-            </a:r>
-            <a:r>
-              <a:rPr lang="zh-CN" altLang="en-US"/>
-              <a:t>、</a:t>
-            </a:r>
-            <a:r>
-              <a:rPr lang="en-US" altLang="zh-CN"/>
-              <a:t>PiniaVuePlugin-vue2</a:t>
-            </a:r>
-            <a:r>
-              <a:rPr lang="zh-CN" altLang="en-US"/>
-              <a:t>、</a:t>
-            </a:r>
-            <a:r>
-              <a:rPr lang="en-US" altLang="zh-CN"/>
-              <a:t>defineStore</a:t>
-            </a:r>
-            <a:endParaRPr lang="en-US" altLang="zh-CN"/>
-          </a:p>
-          <a:p>
-            <a:r>
-              <a:rPr lang="en-US" altLang="zh-CN"/>
-              <a:t>store.$onAction</a:t>
-            </a:r>
-            <a:r>
-              <a:rPr lang="zh-CN" altLang="en-US"/>
-              <a:t>、</a:t>
-            </a:r>
-            <a:r>
-              <a:rPr lang="en-US" altLang="zh-CN"/>
-              <a:t>store.$patch</a:t>
-            </a:r>
-            <a:r>
-              <a:rPr lang="zh-CN" altLang="en-US"/>
-              <a:t>、</a:t>
-            </a:r>
-            <a:r>
-              <a:rPr lang="en-US" altLang="zh-CN"/>
-              <a:t>store.$reset</a:t>
-            </a:r>
-            <a:r>
-              <a:rPr lang="zh-CN" altLang="en-US"/>
-              <a:t>、</a:t>
-            </a:r>
-            <a:r>
-              <a:rPr lang="en-US" altLang="zh-CN"/>
-              <a:t>store.$subscribe</a:t>
-            </a:r>
-            <a:r>
-              <a:rPr lang="zh-CN" altLang="en-US"/>
-              <a:t>、</a:t>
-            </a:r>
-            <a:r>
-              <a:rPr lang="en-US" altLang="zh-CN"/>
-              <a:t>store.$dispose</a:t>
-            </a:r>
-            <a:endParaRPr lang="en-US" altLang="zh-CN"/>
-          </a:p>
-        </p:txBody>
-      </p:sp>
-      <p:sp>
-        <p:nvSpPr>
-          <p:cNvPr id="6" name="文本框 5"/>
-          <p:cNvSpPr txBox="1"/>
-          <p:nvPr/>
-        </p:nvSpPr>
-        <p:spPr>
-          <a:xfrm>
-            <a:off x="828040" y="3865880"/>
-            <a:ext cx="5931535" cy="645160"/>
-          </a:xfrm>
-          <a:prstGeom prst="rect">
-            <a:avLst/>
-          </a:prstGeom>
-          <a:noFill/>
-        </p:spPr>
-        <p:txBody>
-          <a:bodyPr wrap="none" rtlCol="0">
-            <a:spAutoFit/>
-          </a:bodyPr>
-          <a:p>
-            <a:r>
-              <a:rPr lang="zh-CN" altLang="en-US"/>
-              <a:t>辅助</a:t>
-            </a:r>
-            <a:r>
-              <a:rPr lang="zh-CN" altLang="en-US"/>
-              <a:t>函数：</a:t>
-            </a:r>
-            <a:endParaRPr lang="zh-CN" altLang="en-US"/>
-          </a:p>
-          <a:p>
-            <a:r>
-              <a:rPr lang="en-US" altLang="zh-CN"/>
-              <a:t>mapState</a:t>
-            </a:r>
-            <a:r>
-              <a:rPr lang="zh-CN" altLang="en-US"/>
-              <a:t>、</a:t>
-            </a:r>
-            <a:r>
-              <a:rPr lang="en-US" altLang="zh-CN"/>
-              <a:t>mapWritableState</a:t>
-            </a:r>
-            <a:r>
-              <a:rPr lang="zh-CN" altLang="en-US"/>
-              <a:t>、</a:t>
-            </a:r>
-            <a:r>
-              <a:rPr lang="en-US" altLang="zh-CN"/>
-              <a:t>mapActions</a:t>
-            </a:r>
-            <a:r>
-              <a:rPr lang="zh-CN" altLang="en-US"/>
-              <a:t>、</a:t>
-            </a:r>
-            <a:r>
-              <a:rPr lang="en-US" altLang="zh-CN"/>
-              <a:t>mapGetter</a:t>
-            </a:r>
-            <a:endParaRPr lang="en-US" altLang="zh-CN"/>
           </a:p>
         </p:txBody>
       </p:sp>
@@ -3332,8 +3199,8 @@
         </p:nvSpPr>
         <p:spPr>
           <a:xfrm>
-            <a:off x="683895" y="1273175"/>
-            <a:ext cx="1097280" cy="460375"/>
+            <a:off x="721360" y="1463040"/>
+            <a:ext cx="7434580" cy="368300"/>
           </a:xfrm>
           <a:prstGeom prst="rect">
             <a:avLst/>
@@ -3346,23 +3213,47 @@
           </a:bodyPr>
           <a:p>
             <a:r>
-              <a:rPr lang="zh-CN" altLang="en-US" sz="2400"/>
-              <a:t>总结：</a:t>
-            </a:r>
-            <a:endParaRPr lang="zh-CN" altLang="en-US" sz="2400"/>
-          </a:p>
-        </p:txBody>
-      </p:sp>
-      <p:sp>
-        <p:nvSpPr>
-          <p:cNvPr id="7" name="文本框 6"/>
+              <a:rPr lang="zh-CN" altLang="en-US"/>
+              <a:t>从</a:t>
+            </a:r>
+            <a:r>
+              <a:rPr lang="en-US" altLang="zh-CN"/>
+              <a:t>vue</a:t>
+            </a:r>
+            <a:r>
+              <a:rPr lang="zh-CN" altLang="en-US"/>
+              <a:t>实例引入</a:t>
+            </a:r>
+            <a:r>
+              <a:rPr lang="en-US" altLang="zh-CN"/>
+              <a:t>pinia</a:t>
+            </a:r>
+            <a:r>
+              <a:rPr lang="zh-CN" altLang="en-US"/>
+              <a:t>实例到子</a:t>
+            </a:r>
+            <a:r>
+              <a:rPr lang="zh-CN" altLang="en-US"/>
+              <a:t>组件使用共享数据这一过程所发生的</a:t>
+            </a:r>
+            <a:r>
+              <a:rPr lang="zh-CN" altLang="en-US"/>
+              <a:t>变化。</a:t>
+            </a:r>
+            <a:endParaRPr lang="zh-CN" altLang="en-US"/>
+          </a:p>
+        </p:txBody>
+      </p:sp>
+      <p:sp>
+        <p:nvSpPr>
+          <p:cNvPr id="5" name="文本框 4"/>
           <p:cNvSpPr txBox="1"/>
           <p:nvPr/>
         </p:nvSpPr>
         <p:spPr>
           <a:xfrm>
-            <a:off x="539750" y="2137410"/>
-            <a:ext cx="5998210" cy="368300"/>
+            <a:off x="755650" y="2785745"/>
+            <a:ext cx="8310880" cy="922020"/>
           </a:xfrm>
           <a:prstGeom prst="rect">
             <a:avLst/>
@@ -3375,51 +3266,89 @@
           </a:bodyPr>
           <a:p>
             <a:r>
+              <a:rPr lang="zh-CN" altLang="en-US"/>
+              <a:t>部分核心</a:t>
+            </a:r>
+            <a:r>
+              <a:rPr lang="zh-CN" altLang="en-US"/>
+              <a:t>源码：</a:t>
+            </a:r>
+            <a:endParaRPr lang="zh-CN" altLang="en-US"/>
+          </a:p>
+          <a:p>
+            <a:r>
               <a:rPr lang="en-US" altLang="zh-CN"/>
-              <a:t>pinia</a:t>
-            </a:r>
-            <a:r>
-              <a:rPr lang="zh-CN" altLang="en-US"/>
-              <a:t>是</a:t>
+              <a:t>createPinia</a:t>
+            </a:r>
+            <a:r>
+              <a:rPr lang="zh-CN" altLang="en-US"/>
+              <a:t>、</a:t>
             </a:r>
             <a:r>
               <a:rPr lang="en-US" altLang="zh-CN"/>
-              <a:t>Vue.js</a:t>
-            </a:r>
-            <a:r>
-              <a:rPr lang="zh-CN" altLang="en-US"/>
-              <a:t>的轻量级状态管理库，适用于</a:t>
+              <a:t>PiniaVuePlugin-vue2</a:t>
+            </a:r>
+            <a:r>
+              <a:rPr lang="zh-CN" altLang="en-US"/>
+              <a:t>、</a:t>
             </a:r>
             <a:r>
               <a:rPr lang="en-US" altLang="zh-CN"/>
-              <a:t>Vue2</a:t>
-            </a:r>
-            <a:r>
-              <a:rPr lang="zh-CN" altLang="en-US"/>
-              <a:t>和</a:t>
-            </a:r>
+              <a:t>defineStore</a:t>
+            </a:r>
+            <a:endParaRPr lang="en-US" altLang="zh-CN"/>
+          </a:p>
+          <a:p>
             <a:r>
               <a:rPr lang="en-US" altLang="zh-CN"/>
-              <a:t>Vue3</a:t>
-            </a:r>
-            <a:r>
-              <a:rPr lang="zh-CN" altLang="en-US"/>
-              <a:t>。</a:t>
-            </a:r>
-            <a:endParaRPr lang="zh-CN" altLang="en-US"/>
-          </a:p>
-        </p:txBody>
-      </p:sp>
-      <p:sp>
-        <p:nvSpPr>
-          <p:cNvPr id="8" name="文本框 7"/>
+              <a:t>store.$onAction</a:t>
+            </a:r>
+            <a:r>
+              <a:rPr lang="zh-CN" altLang="en-US"/>
+              <a:t>、</a:t>
+            </a:r>
+            <a:r>
+              <a:rPr lang="en-US" altLang="zh-CN"/>
+              <a:t>store.$patch</a:t>
+            </a:r>
+            <a:r>
+              <a:rPr lang="zh-CN" altLang="en-US"/>
+              <a:t>、</a:t>
+            </a:r>
+            <a:r>
+              <a:rPr lang="en-US" altLang="zh-CN"/>
+              <a:t>store.$reset</a:t>
+            </a:r>
+            <a:r>
+              <a:rPr lang="zh-CN" altLang="en-US"/>
+              <a:t>、</a:t>
+            </a:r>
+            <a:r>
+              <a:rPr lang="en-US" altLang="zh-CN"/>
+              <a:t>store.$subscribe</a:t>
+            </a:r>
+            <a:r>
+              <a:rPr lang="zh-CN" altLang="en-US"/>
+              <a:t>、</a:t>
+            </a:r>
+            <a:r>
+              <a:rPr lang="en-US" altLang="zh-CN"/>
+              <a:t>store.$dispose</a:t>
+            </a:r>
+            <a:endParaRPr lang="en-US" altLang="zh-CN"/>
+          </a:p>
+        </p:txBody>
+      </p:sp>
+      <p:sp>
+        <p:nvSpPr>
+          <p:cNvPr id="6" name="文本框 5"/>
           <p:cNvSpPr txBox="1"/>
           <p:nvPr/>
         </p:nvSpPr>
         <p:spPr>
           <a:xfrm>
-            <a:off x="449580" y="2497455"/>
-            <a:ext cx="8244840" cy="1476375"/>
+            <a:off x="828040" y="3865880"/>
+            <a:ext cx="5931535" cy="645160"/>
           </a:xfrm>
           <a:prstGeom prst="rect">
             <a:avLst/>
@@ -3431,126 +3360,46 @@
             <a:spAutoFit/>
           </a:bodyPr>
           <a:p>
-            <a:pPr marL="285750" indent="-285750" algn="l">
-              <a:buFont typeface="Arial" panose="020B0604020202020204" pitchFamily="34" charset="0"/>
-              <a:buChar char="•"/>
-            </a:pPr>
-            <a:r>
-              <a:rPr lang="zh-CN" altLang="en-US"/>
-              <a:t>pinia和vuex4一样，也是vue官方的状态管理工具(作者是 Vue 核心团队成员）</a:t>
+            <a:r>
+              <a:rPr lang="zh-CN" altLang="en-US"/>
+              <a:t>辅助</a:t>
+            </a:r>
+            <a:r>
+              <a:rPr lang="zh-CN" altLang="en-US"/>
+              <a:t>函数：</a:t>
             </a:r>
             <a:endParaRPr lang="zh-CN" altLang="en-US"/>
           </a:p>
           <a:p>
-            <a:pPr marL="285750" indent="-285750" algn="l">
-              <a:buFont typeface="Arial" panose="020B0604020202020204" pitchFamily="34" charset="0"/>
-              <a:buChar char="•"/>
-            </a:pPr>
-            <a:r>
-              <a:rPr lang="zh-CN" altLang="en-US"/>
-              <a:t>pinia相比vuex4，对于vue3的兼容性更好</a:t>
-            </a:r>
-            <a:endParaRPr lang="zh-CN" altLang="en-US"/>
-          </a:p>
-          <a:p>
-            <a:pPr marL="285750" indent="-285750" algn="l">
-              <a:buFont typeface="Arial" panose="020B0604020202020204" pitchFamily="34" charset="0"/>
-              <a:buChar char="•"/>
-            </a:pPr>
-            <a:r>
-              <a:rPr lang="zh-CN" altLang="en-US"/>
-              <a:t>pinia相比vuex4，具备完善的类型推荐</a:t>
-            </a:r>
-            <a:endParaRPr lang="zh-CN" altLang="en-US"/>
-          </a:p>
-          <a:p>
-            <a:pPr marL="285750" indent="-285750" algn="l">
-              <a:buFont typeface="Arial" panose="020B0604020202020204" pitchFamily="34" charset="0"/>
-              <a:buChar char="•"/>
-            </a:pPr>
-            <a:r>
-              <a:rPr lang="zh-CN" altLang="en-US"/>
-              <a:t>pinia同样支持vue开发者工具,最新的开发者工具对vuex4支持不好</a:t>
-            </a:r>
-            <a:endParaRPr lang="zh-CN" altLang="en-US"/>
-          </a:p>
-          <a:p>
-            <a:pPr marL="285750" indent="-285750" algn="l">
-              <a:buFont typeface="Arial" panose="020B0604020202020204" pitchFamily="34" charset="0"/>
-              <a:buChar char="•"/>
-            </a:pPr>
-            <a:r>
-              <a:rPr lang="zh-CN" altLang="en-US"/>
-              <a:t>Pinia 的 API 设计非常接近 Vuex 5 的提案。</a:t>
-            </a:r>
-            <a:endParaRPr lang="zh-CN" altLang="en-US"/>
-          </a:p>
-        </p:txBody>
-      </p:sp>
-      <p:sp>
-        <p:nvSpPr>
-          <p:cNvPr id="9" name="文本框 8"/>
-          <p:cNvSpPr txBox="1"/>
-          <p:nvPr/>
-        </p:nvSpPr>
-        <p:spPr>
-          <a:xfrm>
-            <a:off x="539750" y="4225925"/>
-            <a:ext cx="6678930" cy="1198880"/>
-          </a:xfrm>
-          <a:prstGeom prst="rect">
-            <a:avLst/>
-          </a:prstGeom>
-          <a:noFill/>
-        </p:spPr>
-        <p:txBody>
-          <a:bodyPr wrap="none" rtlCol="0">
-            <a:spAutoFit/>
-          </a:bodyPr>
-          <a:p>
-            <a:pPr algn="l"/>
-            <a:r>
-              <a:rPr lang="zh-CN" altLang="en-US"/>
-              <a:t>只有三个核心</a:t>
-            </a:r>
-            <a:r>
-              <a:rPr lang="zh-CN" altLang="en-US"/>
-              <a:t>属性</a:t>
-            </a:r>
-            <a:endParaRPr lang="zh-CN" altLang="en-US"/>
-          </a:p>
-          <a:p>
-            <a:pPr marL="285750" indent="-285750" algn="l">
-              <a:buFont typeface="Arial" panose="020B0604020202020204" pitchFamily="34" charset="0"/>
-              <a:buChar char="•"/>
-            </a:pPr>
-            <a:r>
-              <a:rPr lang="zh-CN" altLang="en-US"/>
-              <a:t>state: 状态</a:t>
-            </a:r>
-            <a:endParaRPr lang="zh-CN" altLang="en-US"/>
-          </a:p>
-          <a:p>
-            <a:pPr marL="285750" indent="-285750" algn="l">
-              <a:buFont typeface="Arial" panose="020B0604020202020204" pitchFamily="34" charset="0"/>
-              <a:buChar char="•"/>
-            </a:pPr>
-            <a:r>
-              <a:rPr lang="zh-CN" altLang="en-US"/>
-              <a:t>actions: 修改状态（包括同步和异步，pinia中没有mutations）</a:t>
-            </a:r>
-            <a:endParaRPr lang="zh-CN" altLang="en-US"/>
-          </a:p>
-          <a:p>
-            <a:pPr marL="285750" indent="-285750" algn="l">
-              <a:buFont typeface="Arial" panose="020B0604020202020204" pitchFamily="34" charset="0"/>
-              <a:buChar char="•"/>
-            </a:pPr>
-            <a:r>
-              <a:rPr lang="zh-CN" altLang="en-US"/>
-              <a:t>getters: 计算属性</a:t>
-            </a:r>
-            <a:endParaRPr lang="zh-CN" altLang="en-US"/>
+            <a:r>
+              <a:rPr lang="en-US" altLang="zh-CN"/>
+              <a:t>mapState</a:t>
+            </a:r>
+            <a:r>
+              <a:rPr lang="zh-CN" altLang="en-US"/>
+              <a:t>、</a:t>
+            </a:r>
+            <a:r>
+              <a:rPr lang="en-US" altLang="zh-CN"/>
+              <a:t>mapWritableState</a:t>
+            </a:r>
+            <a:r>
+              <a:rPr lang="zh-CN" altLang="en-US"/>
+              <a:t>、</a:t>
+            </a:r>
+            <a:r>
+              <a:rPr lang="en-US" altLang="zh-CN"/>
+              <a:t>mapActions</a:t>
+            </a:r>
+            <a:r>
+              <a:rPr lang="zh-CN" altLang="en-US"/>
+              <a:t>、</a:t>
+            </a:r>
+            <a:r>
+              <a:rPr lang="en-US" altLang="zh-CN"/>
+              <a:t>mapGetter</a:t>
+            </a:r>
+            <a:endParaRPr lang="en-US" altLang="zh-CN"/>
           </a:p>
         </p:txBody>
       </p:sp>
@@ -3574,6 +3423,254 @@
       <p:grpSpPr/>
       <p:sp>
         <p:nvSpPr>
+          <p:cNvPr id="4" name="文本框 3"/>
+          <p:cNvSpPr txBox="1"/>
+          <p:nvPr/>
+        </p:nvSpPr>
+        <p:spPr>
+          <a:xfrm>
+            <a:off x="683895" y="1273175"/>
+            <a:ext cx="1097280" cy="460375"/>
+          </a:xfrm>
+          <a:prstGeom prst="rect">
+            <a:avLst/>
+          </a:prstGeom>
+          <a:noFill/>
+        </p:spPr>
+        <p:txBody>
+          <a:bodyPr wrap="none" rtlCol="0">
+            <a:spAutoFit/>
+          </a:bodyPr>
+          <a:p>
+            <a:r>
+              <a:rPr lang="zh-CN" altLang="en-US" sz="2400"/>
+              <a:t>总结：</a:t>
+            </a:r>
+            <a:endParaRPr lang="zh-CN" altLang="en-US" sz="2400"/>
+          </a:p>
+        </p:txBody>
+      </p:sp>
+      <p:sp>
+        <p:nvSpPr>
+          <p:cNvPr id="7" name="文本框 6"/>
+          <p:cNvSpPr txBox="1"/>
+          <p:nvPr/>
+        </p:nvSpPr>
+        <p:spPr>
+          <a:xfrm>
+            <a:off x="539750" y="2137410"/>
+            <a:ext cx="5998210" cy="368300"/>
+          </a:xfrm>
+          <a:prstGeom prst="rect">
+            <a:avLst/>
+          </a:prstGeom>
+          <a:noFill/>
+        </p:spPr>
+        <p:txBody>
+          <a:bodyPr wrap="none" rtlCol="0">
+            <a:spAutoFit/>
+          </a:bodyPr>
+          <a:p>
+            <a:r>
+              <a:rPr lang="en-US" altLang="zh-CN"/>
+              <a:t>pinia</a:t>
+            </a:r>
+            <a:r>
+              <a:rPr lang="zh-CN" altLang="en-US"/>
+              <a:t>是</a:t>
+            </a:r>
+            <a:r>
+              <a:rPr lang="en-US" altLang="zh-CN"/>
+              <a:t>Vue.js</a:t>
+            </a:r>
+            <a:r>
+              <a:rPr lang="zh-CN" altLang="en-US"/>
+              <a:t>的轻量级状态管理库，适用于</a:t>
+            </a:r>
+            <a:r>
+              <a:rPr lang="en-US" altLang="zh-CN"/>
+              <a:t>Vue2</a:t>
+            </a:r>
+            <a:r>
+              <a:rPr lang="zh-CN" altLang="en-US"/>
+              <a:t>和</a:t>
+            </a:r>
+            <a:r>
+              <a:rPr lang="en-US" altLang="zh-CN"/>
+              <a:t>Vue3</a:t>
+            </a:r>
+            <a:r>
+              <a:rPr lang="zh-CN" altLang="en-US"/>
+              <a:t>。</a:t>
+            </a:r>
+            <a:endParaRPr lang="zh-CN" altLang="en-US"/>
+          </a:p>
+        </p:txBody>
+      </p:sp>
+      <p:sp>
+        <p:nvSpPr>
+          <p:cNvPr id="8" name="文本框 7"/>
+          <p:cNvSpPr txBox="1"/>
+          <p:nvPr/>
+        </p:nvSpPr>
+        <p:spPr>
+          <a:xfrm>
+            <a:off x="449580" y="2497455"/>
+            <a:ext cx="8244840" cy="1476375"/>
+          </a:xfrm>
+          <a:prstGeom prst="rect">
+            <a:avLst/>
+          </a:prstGeom>
+          <a:noFill/>
+        </p:spPr>
+        <p:txBody>
+          <a:bodyPr wrap="none" rtlCol="0">
+            <a:spAutoFit/>
+          </a:bodyPr>
+          <a:p>
+            <a:pPr marL="285750" indent="-285750" algn="l">
+              <a:buFont typeface="Arial" panose="020B0604020202020204" pitchFamily="34" charset="0"/>
+              <a:buChar char="•"/>
+            </a:pPr>
+            <a:r>
+              <a:rPr lang="zh-CN" altLang="en-US"/>
+              <a:t>pinia和vuex4一样，也是vue官方的状态管理工具(作者是 Vue 核心团队成员）</a:t>
+            </a:r>
+            <a:endParaRPr lang="zh-CN" altLang="en-US"/>
+          </a:p>
+          <a:p>
+            <a:pPr marL="285750" indent="-285750" algn="l">
+              <a:buFont typeface="Arial" panose="020B0604020202020204" pitchFamily="34" charset="0"/>
+              <a:buChar char="•"/>
+            </a:pPr>
+            <a:r>
+              <a:rPr lang="zh-CN" altLang="en-US"/>
+              <a:t>pinia相比vuex4，对于vue3的兼容性更好</a:t>
+            </a:r>
+            <a:endParaRPr lang="zh-CN" altLang="en-US"/>
+          </a:p>
+          <a:p>
+            <a:pPr marL="285750" indent="-285750" algn="l">
+              <a:buFont typeface="Arial" panose="020B0604020202020204" pitchFamily="34" charset="0"/>
+              <a:buChar char="•"/>
+            </a:pPr>
+            <a:r>
+              <a:rPr lang="zh-CN" altLang="en-US"/>
+              <a:t>pinia相比vuex4，具备完善的类型推荐</a:t>
+            </a:r>
+            <a:endParaRPr lang="zh-CN" altLang="en-US"/>
+          </a:p>
+          <a:p>
+            <a:pPr marL="285750" indent="-285750" algn="l">
+              <a:buFont typeface="Arial" panose="020B0604020202020204" pitchFamily="34" charset="0"/>
+              <a:buChar char="•"/>
+            </a:pPr>
+            <a:r>
+              <a:rPr lang="zh-CN" altLang="en-US"/>
+              <a:t>pinia同样支持vue开发者工具,最新的开发者工具对vuex4支持不好</a:t>
+            </a:r>
+            <a:endParaRPr lang="zh-CN" altLang="en-US"/>
+          </a:p>
+          <a:p>
+            <a:pPr marL="285750" indent="-285750" algn="l">
+              <a:buFont typeface="Arial" panose="020B0604020202020204" pitchFamily="34" charset="0"/>
+              <a:buChar char="•"/>
+            </a:pPr>
+            <a:r>
+              <a:rPr lang="zh-CN" altLang="en-US"/>
+              <a:t>Pinia 的 API 设计非常接近 Vuex 5 的提案。</a:t>
+            </a:r>
+            <a:endParaRPr lang="zh-CN" altLang="en-US"/>
+          </a:p>
+        </p:txBody>
+      </p:sp>
+      <p:sp>
+        <p:nvSpPr>
+          <p:cNvPr id="9" name="文本框 8"/>
+          <p:cNvSpPr txBox="1"/>
+          <p:nvPr/>
+        </p:nvSpPr>
+        <p:spPr>
+          <a:xfrm>
+            <a:off x="539750" y="4225925"/>
+            <a:ext cx="6678930" cy="1198880"/>
+          </a:xfrm>
+          <a:prstGeom prst="rect">
+            <a:avLst/>
+          </a:prstGeom>
+          <a:noFill/>
+        </p:spPr>
+        <p:txBody>
+          <a:bodyPr wrap="none" rtlCol="0">
+            <a:spAutoFit/>
+          </a:bodyPr>
+          <a:p>
+            <a:pPr algn="l"/>
+            <a:r>
+              <a:rPr lang="zh-CN" altLang="en-US"/>
+              <a:t>只有三个核心</a:t>
+            </a:r>
+            <a:r>
+              <a:rPr lang="zh-CN" altLang="en-US"/>
+              <a:t>属性</a:t>
+            </a:r>
+            <a:endParaRPr lang="zh-CN" altLang="en-US"/>
+          </a:p>
+          <a:p>
+            <a:pPr marL="285750" indent="-285750" algn="l">
+              <a:buFont typeface="Arial" panose="020B0604020202020204" pitchFamily="34" charset="0"/>
+              <a:buChar char="•"/>
+            </a:pPr>
+            <a:r>
+              <a:rPr lang="zh-CN" altLang="en-US"/>
+              <a:t>state: 状态</a:t>
+            </a:r>
+            <a:endParaRPr lang="zh-CN" altLang="en-US"/>
+          </a:p>
+          <a:p>
+            <a:pPr marL="285750" indent="-285750" algn="l">
+              <a:buFont typeface="Arial" panose="020B0604020202020204" pitchFamily="34" charset="0"/>
+              <a:buChar char="•"/>
+            </a:pPr>
+            <a:r>
+              <a:rPr lang="zh-CN" altLang="en-US"/>
+              <a:t>actions: 修改状态（包括同步和异步，pinia中没有mutations）</a:t>
+            </a:r>
+            <a:endParaRPr lang="zh-CN" altLang="en-US"/>
+          </a:p>
+          <a:p>
+            <a:pPr marL="285750" indent="-285750" algn="l">
+              <a:buFont typeface="Arial" panose="020B0604020202020204" pitchFamily="34" charset="0"/>
+              <a:buChar char="•"/>
+            </a:pPr>
+            <a:r>
+              <a:rPr lang="zh-CN" altLang="en-US"/>
+              <a:t>getters: 计算属性</a:t>
+            </a:r>
+            <a:endParaRPr lang="zh-CN" altLang="en-US"/>
+          </a:p>
+        </p:txBody>
+      </p:sp>
+    </p:spTree>
+  </p:cSld>
+  <p:clrMapOvr>
+    <a:masterClrMapping/>
+  </p:clrMapOvr>
+</p:sld>
+</file>
+
+<file path=ppt/slides/slide15.xml><?xml version="1.0" encoding="utf-8"?>
+<p:sld xmlns:a="http://schemas.openxmlformats.org/drawingml/2006/main" xmlns:r="http://schemas.openxmlformats.org/officeDocument/2006/relationships" xmlns:p="http://schemas.openxmlformats.org/presentationml/2006/main">
+  <p:cSld>
+    <p:spTree>
+      <p:nvGrpSpPr>
+        <p:cNvPr id="1" name=""/>
+        <p:cNvGrpSpPr/>
+        <p:nvPr/>
+      </p:nvGrpSpPr>
+      <p:grpSpPr/>
+      <p:sp>
+        <p:nvSpPr>
           <p:cNvPr id="2" name="文本框 1"/>
           <p:cNvSpPr txBox="1"/>
           <p:nvPr/>
@@ -3601,6 +3698,81 @@
           </a:p>
         </p:txBody>
       </p:sp>
+    </p:spTree>
+  </p:cSld>
+  <p:clrMapOvr>
+    <a:masterClrMapping/>
+  </p:clrMapOvr>
+</p:sld>
+</file>
+
+<file path=ppt/slides/slide16.xml><?xml version="1.0" encoding="utf-8"?>
+<p:sld xmlns:a="http://schemas.openxmlformats.org/drawingml/2006/main" xmlns:r="http://schemas.openxmlformats.org/officeDocument/2006/relationships" xmlns:p="http://schemas.openxmlformats.org/presentationml/2006/main">
+  <p:cSld>
+    <p:spTree>
+      <p:nvGrpSpPr>
+        <p:cNvPr id="1" name=""/>
+        <p:cNvGrpSpPr/>
+        <p:nvPr/>
+      </p:nvGrpSpPr>
+      <p:grpSpPr/>
+      <p:sp>
+        <p:nvSpPr>
+          <p:cNvPr id="3" name="文本框 2"/>
+          <p:cNvSpPr txBox="1"/>
+          <p:nvPr/>
+        </p:nvSpPr>
+        <p:spPr>
+          <a:xfrm>
+            <a:off x="6227445" y="841375"/>
+            <a:ext cx="795020" cy="460375"/>
+          </a:xfrm>
+          <a:prstGeom prst="rect">
+            <a:avLst/>
+          </a:prstGeom>
+          <a:noFill/>
+        </p:spPr>
+        <p:txBody>
+          <a:bodyPr wrap="none" rtlCol="0">
+            <a:spAutoFit/>
+          </a:bodyPr>
+          <a:p>
+            <a:r>
+              <a:rPr lang="zh-CN" altLang="en-US" sz="2400" b="1"/>
+              <a:t>评估</a:t>
+            </a:r>
+            <a:endParaRPr lang="zh-CN" altLang="en-US" sz="2400" b="1"/>
+          </a:p>
+        </p:txBody>
+      </p:sp>
+      <p:pic>
+        <p:nvPicPr>
+          <p:cNvPr id="4" name="图片 1" descr="IMG_256"/>
+          <p:cNvPicPr>
+            <a:picLocks noChangeAspect="1"/>
+          </p:cNvPicPr>
+          <p:nvPr/>
+        </p:nvPicPr>
+        <p:blipFill>
+          <a:blip r:embed="rId1"/>
+          <a:stretch>
+            <a:fillRect/>
+          </a:stretch>
+        </p:blipFill>
+        <p:spPr>
+          <a:xfrm>
+            <a:off x="4574540" y="1274445"/>
+            <a:ext cx="4100830" cy="4100830"/>
+          </a:xfrm>
+          <a:prstGeom prst="rect">
+            <a:avLst/>
+          </a:prstGeom>
+          <a:noFill/>
+          <a:ln w="9525">
+            <a:noFill/>
+          </a:ln>
+        </p:spPr>
+      </p:pic>
     </p:spTree>
   </p:cSld>
   <p:clrMapOvr>
@@ -3610,6 +3782,114 @@
 </file>
 
 <file path=ppt/slides/slide2.xml><?xml version="1.0" encoding="utf-8"?>
+<p:sld xmlns:a="http://schemas.openxmlformats.org/drawingml/2006/main" xmlns:r="http://schemas.openxmlformats.org/officeDocument/2006/relationships" xmlns:p="http://schemas.openxmlformats.org/presentationml/2006/main">
+  <p:cSld>
+    <p:spTree>
+      <p:nvGrpSpPr>
+        <p:cNvPr id="1" name=""/>
+        <p:cNvGrpSpPr/>
+        <p:nvPr/>
+      </p:nvGrpSpPr>
+      <p:grpSpPr/>
+      <p:sp>
+        <p:nvSpPr>
+          <p:cNvPr id="2" name="文本框 1"/>
+          <p:cNvSpPr txBox="1"/>
+          <p:nvPr/>
+        </p:nvSpPr>
+        <p:spPr>
+          <a:xfrm>
+            <a:off x="4211955" y="1849755"/>
+            <a:ext cx="3598545" cy="768350"/>
+          </a:xfrm>
+          <a:prstGeom prst="rect">
+            <a:avLst/>
+          </a:prstGeom>
+          <a:noFill/>
+        </p:spPr>
+        <p:txBody>
+          <a:bodyPr wrap="none" rtlCol="0">
+            <a:spAutoFit/>
+          </a:bodyPr>
+          <a:p>
+            <a:r>
+              <a:rPr lang="en-US" altLang="zh-CN" sz="4400"/>
+              <a:t>pinia</a:t>
+            </a:r>
+            <a:r>
+              <a:rPr lang="zh-CN" altLang="en-US" sz="4400"/>
+              <a:t>入门指南</a:t>
+            </a:r>
+            <a:endParaRPr lang="zh-CN" altLang="en-US" sz="4400"/>
+          </a:p>
+        </p:txBody>
+      </p:sp>
+      <p:pic>
+        <p:nvPicPr>
+          <p:cNvPr id="4" name="图片 3" descr="image-20220630203603627"/>
+          <p:cNvPicPr>
+            <a:picLocks noChangeAspect="1"/>
+          </p:cNvPicPr>
+          <p:nvPr/>
+        </p:nvPicPr>
+        <p:blipFill>
+          <a:blip r:embed="rId1"/>
+          <a:stretch>
+            <a:fillRect/>
+          </a:stretch>
+        </p:blipFill>
+        <p:spPr>
+          <a:xfrm>
+            <a:off x="7740650" y="1273175"/>
+            <a:ext cx="1162050" cy="1585595"/>
+          </a:xfrm>
+          <a:prstGeom prst="rect">
+            <a:avLst/>
+          </a:prstGeom>
+        </p:spPr>
+      </p:pic>
+      <p:sp>
+        <p:nvSpPr>
+          <p:cNvPr id="3" name="文本框 2"/>
+          <p:cNvSpPr txBox="1"/>
+          <p:nvPr/>
+        </p:nvSpPr>
+        <p:spPr>
+          <a:xfrm>
+            <a:off x="5868035" y="5161915"/>
+            <a:ext cx="2792095" cy="368300"/>
+          </a:xfrm>
+          <a:prstGeom prst="rect">
+            <a:avLst/>
+          </a:prstGeom>
+          <a:noFill/>
+        </p:spPr>
+        <p:txBody>
+          <a:bodyPr wrap="square" rtlCol="0">
+            <a:spAutoFit/>
+          </a:bodyPr>
+          <a:p>
+            <a:r>
+              <a:rPr lang="zh-CN" altLang="en-US"/>
+              <a:t>主讲：杨</a:t>
+            </a:r>
+            <a:r>
+              <a:rPr lang="zh-CN" altLang="en-US"/>
+              <a:t>龙</a:t>
+            </a:r>
+            <a:endParaRPr lang="zh-CN" altLang="en-US"/>
+          </a:p>
+        </p:txBody>
+      </p:sp>
+    </p:spTree>
+  </p:cSld>
+  <p:clrMapOvr>
+    <a:masterClrMapping/>
+  </p:clrMapOvr>
+</p:sld>
+</file>
+
+<file path=ppt/slides/slide3.xml><?xml version="1.0" encoding="utf-8"?>
 <p:sld xmlns:a="http://schemas.openxmlformats.org/drawingml/2006/main" xmlns:r="http://schemas.openxmlformats.org/officeDocument/2006/relationships" xmlns:p="http://schemas.openxmlformats.org/presentationml/2006/main">
   <p:cSld>
     <p:bg>
@@ -3774,7 +4054,7 @@
 </p:sld>
 </file>
 
-<file path=ppt/slides/slide3.xml><?xml version="1.0" encoding="utf-8"?>
+<file path=ppt/slides/slide4.xml><?xml version="1.0" encoding="utf-8"?>
 <p:sld xmlns:a="http://schemas.openxmlformats.org/drawingml/2006/main" xmlns:r="http://schemas.openxmlformats.org/officeDocument/2006/relationships" xmlns:p="http://schemas.openxmlformats.org/presentationml/2006/main">
   <p:cSld>
     <p:spTree>
@@ -3931,7 +4211,7 @@
 </p:sld>
 </file>
 
-<file path=ppt/slides/slide4.xml><?xml version="1.0" encoding="utf-8"?>
+<file path=ppt/slides/slide5.xml><?xml version="1.0" encoding="utf-8"?>
 <p:sld xmlns:a="http://schemas.openxmlformats.org/drawingml/2006/main" xmlns:r="http://schemas.openxmlformats.org/officeDocument/2006/relationships" xmlns:p="http://schemas.openxmlformats.org/presentationml/2006/main">
   <p:cSld>
     <p:spTree>
@@ -4044,199 +4324,6 @@
 </p:sld>
 </file>
 
-<file path=ppt/slides/slide5.xml><?xml version="1.0" encoding="utf-8"?>
-<p:sld xmlns:a="http://schemas.openxmlformats.org/drawingml/2006/main" xmlns:r="http://schemas.openxmlformats.org/officeDocument/2006/relationships" xmlns:p="http://schemas.openxmlformats.org/presentationml/2006/main">
-  <p:cSld>
-    <p:spTree>
-      <p:nvGrpSpPr>
-        <p:cNvPr id="1" name=""/>
-        <p:cNvGrpSpPr/>
-        <p:nvPr/>
-      </p:nvGrpSpPr>
-      <p:grpSpPr/>
-      <p:sp>
-        <p:nvSpPr>
-          <p:cNvPr id="4" name="文本框 3"/>
-          <p:cNvSpPr txBox="1"/>
-          <p:nvPr/>
-        </p:nvSpPr>
-        <p:spPr>
-          <a:xfrm>
-            <a:off x="6372225" y="2281555"/>
-            <a:ext cx="2351405" cy="460375"/>
-          </a:xfrm>
-          <a:prstGeom prst="rect">
-            <a:avLst/>
-          </a:prstGeom>
-          <a:noFill/>
-        </p:spPr>
-        <p:txBody>
-          <a:bodyPr wrap="none" rtlCol="0">
-            <a:spAutoFit/>
-          </a:bodyPr>
-          <a:p>
-            <a:r>
-              <a:rPr lang="en-US" altLang="zh-CN" sz="2400"/>
-              <a:t>pinia</a:t>
-            </a:r>
-            <a:r>
-              <a:rPr lang="zh-CN" altLang="en-US" sz="2400"/>
-              <a:t>的核心特性</a:t>
-            </a:r>
-            <a:endParaRPr lang="en-US" altLang="zh-CN" sz="2400"/>
-          </a:p>
-        </p:txBody>
-      </p:sp>
-      <p:sp>
-        <p:nvSpPr>
-          <p:cNvPr id="5" name="文本框 4"/>
-          <p:cNvSpPr txBox="1"/>
-          <p:nvPr/>
-        </p:nvSpPr>
-        <p:spPr>
-          <a:xfrm>
-            <a:off x="683260" y="1344930"/>
-            <a:ext cx="4926965" cy="1198880"/>
-          </a:xfrm>
-          <a:prstGeom prst="rect">
-            <a:avLst/>
-          </a:prstGeom>
-          <a:noFill/>
-        </p:spPr>
-        <p:txBody>
-          <a:bodyPr wrap="square" rtlCol="0">
-            <a:spAutoFit/>
-          </a:bodyPr>
-          <a:p>
-            <a:pPr algn="l"/>
-            <a:r>
-              <a:rPr lang="en-US" altLang="zh-CN" sz="1800"/>
-              <a:t>state:</a:t>
-            </a:r>
-            <a:endParaRPr lang="en-US" altLang="zh-CN" sz="1800"/>
-          </a:p>
-          <a:p>
-            <a:pPr algn="l"/>
-            <a:r>
-              <a:rPr lang="en-US" altLang="zh-CN" sz="1800"/>
-              <a:t>state是pinia的核心部分，所有需要管理的状态属性都写到这里，和vueX的state差不多，是唯一存储能够存储数据的地方，并且具有响应式。</a:t>
-            </a:r>
-            <a:endParaRPr lang="en-US" altLang="zh-CN" sz="1800"/>
-          </a:p>
-        </p:txBody>
-      </p:sp>
-      <p:sp>
-        <p:nvSpPr>
-          <p:cNvPr id="6" name="文本框 5"/>
-          <p:cNvSpPr txBox="1"/>
-          <p:nvPr/>
-        </p:nvSpPr>
-        <p:spPr>
-          <a:xfrm>
-            <a:off x="683260" y="2713990"/>
-            <a:ext cx="4919980" cy="1198880"/>
-          </a:xfrm>
-          <a:prstGeom prst="rect">
-            <a:avLst/>
-          </a:prstGeom>
-          <a:noFill/>
-        </p:spPr>
-        <p:txBody>
-          <a:bodyPr wrap="none" rtlCol="0">
-            <a:spAutoFit/>
-          </a:bodyPr>
-          <a:p>
-            <a:pPr algn="l"/>
-            <a:r>
-              <a:rPr lang="zh-CN" altLang="en-US"/>
-              <a:t>getters</a:t>
-            </a:r>
-            <a:r>
-              <a:rPr lang="en-US" altLang="zh-CN"/>
-              <a:t>:</a:t>
-            </a:r>
-            <a:endParaRPr lang="en-US" altLang="zh-CN"/>
-          </a:p>
-          <a:p>
-            <a:pPr algn="l"/>
-            <a:r>
-              <a:rPr lang="en-US" altLang="zh-CN"/>
-              <a:t>和vuex的getters一样 ，也具有缓存性，相当于</a:t>
-            </a:r>
-            <a:endParaRPr lang="en-US" altLang="zh-CN"/>
-          </a:p>
-          <a:p>
-            <a:pPr algn="l"/>
-            <a:r>
-              <a:rPr lang="en-US" altLang="zh-CN"/>
-              <a:t>pinia的计算属性，事实上他也是用vue的计算属</a:t>
-            </a:r>
-            <a:endParaRPr lang="en-US" altLang="zh-CN"/>
-          </a:p>
-          <a:p>
-            <a:pPr algn="l"/>
-            <a:r>
-              <a:rPr lang="en-US" altLang="zh-CN"/>
-              <a:t>性来实现的。</a:t>
-            </a:r>
-            <a:endParaRPr lang="en-US" altLang="zh-CN"/>
-          </a:p>
-        </p:txBody>
-      </p:sp>
-      <p:sp>
-        <p:nvSpPr>
-          <p:cNvPr id="7" name="文本框 6"/>
-          <p:cNvSpPr txBox="1"/>
-          <p:nvPr/>
-        </p:nvSpPr>
-        <p:spPr>
-          <a:xfrm>
-            <a:off x="683260" y="4083050"/>
-            <a:ext cx="5542280" cy="922020"/>
-          </a:xfrm>
-          <a:prstGeom prst="rect">
-            <a:avLst/>
-          </a:prstGeom>
-          <a:noFill/>
-        </p:spPr>
-        <p:txBody>
-          <a:bodyPr wrap="none" rtlCol="0">
-            <a:spAutoFit/>
-          </a:bodyPr>
-          <a:p>
-            <a:pPr algn="l"/>
-            <a:r>
-              <a:rPr lang="en-US" altLang="zh-CN"/>
-              <a:t>actions:</a:t>
-            </a:r>
-            <a:endParaRPr lang="en-US" altLang="zh-CN"/>
-          </a:p>
-          <a:p>
-            <a:pPr algn="l"/>
-            <a:r>
-              <a:rPr lang="en-US" altLang="zh-CN"/>
-              <a:t>pinia废弃了mutation，可以使用action代替mutation，</a:t>
-            </a:r>
-            <a:endParaRPr lang="en-US" altLang="zh-CN"/>
-          </a:p>
-          <a:p>
-            <a:pPr algn="l"/>
-            <a:r>
-              <a:rPr lang="en-US" altLang="zh-CN"/>
-              <a:t>也就是说可以在action里面写同步代码和异步代码。</a:t>
-            </a:r>
-            <a:endParaRPr lang="en-US" altLang="zh-CN"/>
-          </a:p>
-        </p:txBody>
-      </p:sp>
-    </p:spTree>
-  </p:cSld>
-  <p:clrMapOvr>
-    <a:masterClrMapping/>
-  </p:clrMapOvr>
-</p:sld>
-</file>
-
 <file path=ppt/slides/slide6.xml><?xml version="1.0" encoding="utf-8"?>
 <p:sld xmlns:a="http://schemas.openxmlformats.org/drawingml/2006/main" xmlns:r="http://schemas.openxmlformats.org/officeDocument/2006/relationships" xmlns:p="http://schemas.openxmlformats.org/presentationml/2006/main">
   <p:cSld>
@@ -4255,8 +4342,8 @@
         </p:nvSpPr>
         <p:spPr>
           <a:xfrm>
-            <a:off x="611505" y="1344930"/>
-            <a:ext cx="1741805" cy="460375"/>
+            <a:off x="6372225" y="2281555"/>
+            <a:ext cx="2351405" cy="460375"/>
           </a:xfrm>
           <a:prstGeom prst="rect">
             <a:avLst/>
@@ -4274,13 +4361,9 @@
             </a:r>
             <a:r>
               <a:rPr lang="zh-CN" altLang="en-US" sz="2400"/>
-              <a:t>的</a:t>
-            </a:r>
-            <a:r>
-              <a:rPr lang="zh-CN" altLang="en-US" sz="2400"/>
-              <a:t>特点</a:t>
-            </a:r>
-            <a:endParaRPr lang="zh-CN" altLang="en-US" sz="2400"/>
+              <a:t>的核心特性</a:t>
+            </a:r>
+            <a:endParaRPr lang="en-US" altLang="zh-CN" sz="2400"/>
           </a:p>
         </p:txBody>
       </p:sp>
@@ -4292,8 +4375,46 @@
         </p:nvSpPr>
         <p:spPr>
           <a:xfrm>
-            <a:off x="539750" y="2281555"/>
-            <a:ext cx="8533130" cy="2861310"/>
+            <a:off x="683260" y="1344930"/>
+            <a:ext cx="4926965" cy="1198880"/>
+          </a:xfrm>
+          <a:prstGeom prst="rect">
+            <a:avLst/>
+          </a:prstGeom>
+          <a:noFill/>
+        </p:spPr>
+        <p:txBody>
+          <a:bodyPr wrap="square" rtlCol="0">
+            <a:spAutoFit/>
+          </a:bodyPr>
+          <a:p>
+            <a:pPr algn="l"/>
+            <a:r>
+              <a:rPr lang="en-US" altLang="zh-CN" sz="1800"/>
+              <a:t>state:</a:t>
+            </a:r>
+            <a:endParaRPr lang="en-US" altLang="zh-CN" sz="1800"/>
+          </a:p>
+          <a:p>
+            <a:pPr algn="l"/>
+            <a:r>
+              <a:rPr lang="en-US" altLang="zh-CN" sz="1800"/>
+              <a:t>state是pinia的核心部分，所有需要管理的状态属性都写到这里，和vueX的state差不多，是唯一存储能够存储数据的地方，并且具有响应式。</a:t>
+            </a:r>
+            <a:endParaRPr lang="en-US" altLang="zh-CN" sz="1800"/>
+          </a:p>
+        </p:txBody>
+      </p:sp>
+      <p:sp>
+        <p:nvSpPr>
+          <p:cNvPr id="6" name="文本框 5"/>
+          <p:cNvSpPr txBox="1"/>
+          <p:nvPr/>
+        </p:nvSpPr>
+        <p:spPr>
+          <a:xfrm>
+            <a:off x="683260" y="2713990"/>
+            <a:ext cx="4919980" cy="1198880"/>
           </a:xfrm>
           <a:prstGeom prst="rect">
             <a:avLst/>
@@ -4305,110 +4426,86 @@
             <a:spAutoFit/>
           </a:bodyPr>
           <a:p>
-            <a:pPr marL="285750" indent="-285750" algn="l">
-              <a:buFont typeface="Arial" panose="020B0604020202020204" pitchFamily="34" charset="0"/>
-              <a:buChar char="•"/>
-            </a:pPr>
-            <a:r>
-              <a:rPr lang="zh-CN" altLang="en-US"/>
-              <a:t>支持devtools</a:t>
-            </a:r>
-            <a:endParaRPr lang="zh-CN" altLang="en-US"/>
-          </a:p>
-          <a:p>
-            <a:pPr marL="285750" indent="-285750" algn="l">
-              <a:buFont typeface="Arial" panose="020B0604020202020204" pitchFamily="34" charset="0"/>
-              <a:buChar char="•"/>
-            </a:pPr>
-            <a:r>
-              <a:rPr lang="zh-CN" altLang="en-US"/>
-              <a:t>支持hmr热更新</a:t>
-            </a:r>
-            <a:endParaRPr lang="zh-CN" altLang="en-US"/>
-          </a:p>
-          <a:p>
-            <a:pPr marL="285750" indent="-285750" algn="l">
-              <a:buFont typeface="Arial" panose="020B0604020202020204" pitchFamily="34" charset="0"/>
-              <a:buChar char="•"/>
-            </a:pPr>
-            <a:r>
-              <a:rPr lang="zh-CN" altLang="en-US"/>
-              <a:t>支持pinia插件扩展</a:t>
-            </a:r>
-            <a:endParaRPr lang="zh-CN" altLang="en-US"/>
-          </a:p>
-          <a:p>
-            <a:pPr marL="285750" indent="-285750" algn="l">
-              <a:buFont typeface="Arial" panose="020B0604020202020204" pitchFamily="34" charset="0"/>
-              <a:buChar char="•"/>
-            </a:pPr>
-            <a:r>
-              <a:rPr lang="zh-CN" altLang="en-US"/>
-              <a:t>更好的 typescript 的支持；</a:t>
-            </a:r>
-            <a:endParaRPr lang="zh-CN" altLang="en-US"/>
-          </a:p>
-          <a:p>
-            <a:pPr marL="285750" indent="-285750" algn="l">
-              <a:buFont typeface="Arial" panose="020B0604020202020204" pitchFamily="34" charset="0"/>
-              <a:buChar char="•"/>
-            </a:pPr>
-            <a:r>
-              <a:rPr lang="zh-CN" altLang="en-US"/>
-              <a:t>支持ssr服务端渲染；</a:t>
-            </a:r>
-            <a:endParaRPr lang="zh-CN" altLang="en-US"/>
-          </a:p>
-          <a:p>
-            <a:pPr marL="285750" indent="-285750" algn="l">
-              <a:buFont typeface="Arial" panose="020B0604020202020204" pitchFamily="34" charset="0"/>
-              <a:buChar char="•"/>
-            </a:pPr>
-            <a:r>
-              <a:rPr lang="zh-CN" altLang="en-US"/>
-              <a:t>足够轻量，压缩后的体积只有1.6kb;</a:t>
-            </a:r>
-            <a:endParaRPr lang="zh-CN" altLang="en-US"/>
-          </a:p>
-          <a:p>
-            <a:pPr marL="285750" indent="-285750" algn="l">
-              <a:buFont typeface="Arial" panose="020B0604020202020204" pitchFamily="34" charset="0"/>
-              <a:buChar char="•"/>
-            </a:pPr>
-            <a:r>
-              <a:rPr lang="zh-CN" altLang="en-US"/>
-              <a:t>去除 mutations、module，只有 state、getters、actions；</a:t>
-            </a:r>
-            <a:endParaRPr lang="zh-CN" altLang="en-US"/>
-          </a:p>
-          <a:p>
-            <a:pPr algn="l">
-              <a:buFont typeface="Arial" panose="020B0604020202020204" pitchFamily="34" charset="0"/>
-            </a:pPr>
+            <a:pPr algn="l"/>
+            <a:r>
+              <a:rPr lang="zh-CN" altLang="en-US"/>
+              <a:t>getters</a:t>
+            </a:r>
             <a:r>
               <a:rPr lang="en-US" altLang="zh-CN"/>
-              <a:t>     </a:t>
-            </a:r>
-            <a:r>
-              <a:rPr lang="zh-CN" altLang="en-US"/>
-              <a:t>actions 支持同步和异步；</a:t>
-            </a:r>
-            <a:endParaRPr lang="zh-CN" altLang="en-US"/>
-          </a:p>
-          <a:p>
-            <a:pPr marL="285750" indent="-285750" algn="l">
-              <a:buFont typeface="Arial" panose="020B0604020202020204" pitchFamily="34" charset="0"/>
-              <a:buChar char="•"/>
-            </a:pPr>
-            <a:r>
-              <a:rPr lang="zh-CN" altLang="en-US"/>
-              <a:t>没有模块嵌套，只有 store 的概念，store 之间可以自由使用，更好的代码分割；</a:t>
-            </a:r>
-            <a:endParaRPr lang="zh-CN" altLang="en-US"/>
-          </a:p>
-          <a:p>
-            <a:pPr marL="285750" indent="-285750" algn="l"/>
-            <a:endParaRPr lang="zh-CN" altLang="en-US"/>
+              <a:t>:</a:t>
+            </a:r>
+            <a:endParaRPr lang="en-US" altLang="zh-CN"/>
+          </a:p>
+          <a:p>
+            <a:pPr algn="l"/>
+            <a:r>
+              <a:rPr lang="en-US" altLang="zh-CN"/>
+              <a:t>和vuex的getters一样 ，也具有缓存性，相当于</a:t>
+            </a:r>
+            <a:endParaRPr lang="en-US" altLang="zh-CN"/>
+          </a:p>
+          <a:p>
+            <a:pPr algn="l"/>
+            <a:r>
+              <a:rPr lang="en-US" altLang="zh-CN"/>
+              <a:t>pinia的计算属性，事实上他也是用vue的计算属</a:t>
+            </a:r>
+            <a:endParaRPr lang="en-US" altLang="zh-CN"/>
+          </a:p>
+          <a:p>
+            <a:pPr algn="l"/>
+            <a:r>
+              <a:rPr lang="en-US" altLang="zh-CN"/>
+              <a:t>性来实现的。</a:t>
+            </a:r>
+            <a:endParaRPr lang="en-US" altLang="zh-CN"/>
+          </a:p>
+        </p:txBody>
+      </p:sp>
+      <p:sp>
+        <p:nvSpPr>
+          <p:cNvPr id="7" name="文本框 6"/>
+          <p:cNvSpPr txBox="1"/>
+          <p:nvPr/>
+        </p:nvSpPr>
+        <p:spPr>
+          <a:xfrm>
+            <a:off x="683260" y="4083050"/>
+            <a:ext cx="5542280" cy="922020"/>
+          </a:xfrm>
+          <a:prstGeom prst="rect">
+            <a:avLst/>
+          </a:prstGeom>
+          <a:noFill/>
+        </p:spPr>
+        <p:txBody>
+          <a:bodyPr wrap="none" rtlCol="0">
+            <a:spAutoFit/>
+          </a:bodyPr>
+          <a:p>
+            <a:pPr algn="l"/>
+            <a:r>
+              <a:rPr lang="en-US" altLang="zh-CN"/>
+              <a:t>actions:</a:t>
+            </a:r>
+            <a:endParaRPr lang="en-US" altLang="zh-CN"/>
+          </a:p>
+          <a:p>
+            <a:pPr algn="l"/>
+            <a:r>
+              <a:rPr lang="en-US" altLang="zh-CN"/>
+              <a:t>pinia废弃了mutation，可以使用action代替mutation，</a:t>
+            </a:r>
+            <a:endParaRPr lang="en-US" altLang="zh-CN"/>
+          </a:p>
+          <a:p>
+            <a:pPr algn="l"/>
+            <a:r>
+              <a:rPr lang="en-US" altLang="zh-CN"/>
+              <a:t>也就是说可以在action里面写同步代码和异步代码。</a:t>
+            </a:r>
+            <a:endParaRPr lang="en-US" altLang="zh-CN"/>
           </a:p>
         </p:txBody>
       </p:sp>
@@ -4438,8 +4535,8 @@
         </p:nvSpPr>
         <p:spPr>
           <a:xfrm>
-            <a:off x="791210" y="1810385"/>
-            <a:ext cx="4805680" cy="368300"/>
+            <a:off x="611505" y="1344930"/>
+            <a:ext cx="1741805" cy="460375"/>
           </a:xfrm>
           <a:prstGeom prst="rect">
             <a:avLst/>
@@ -4451,12 +4548,19 @@
             <a:spAutoFit/>
           </a:bodyPr>
           <a:p>
-            <a:pPr algn="l"/>
-            <a:r>
-              <a:rPr lang="zh-CN" altLang="en-US"/>
-              <a:t>pinia和vuex相比，一些比较突出实用的功能：</a:t>
-            </a:r>
-            <a:endParaRPr lang="zh-CN" altLang="en-US"/>
+            <a:r>
+              <a:rPr lang="en-US" altLang="zh-CN" sz="2400"/>
+              <a:t>pinia</a:t>
+            </a:r>
+            <a:r>
+              <a:rPr lang="zh-CN" altLang="en-US" sz="2400"/>
+              <a:t>的</a:t>
+            </a:r>
+            <a:r>
+              <a:rPr lang="zh-CN" altLang="en-US" sz="2400"/>
+              <a:t>特点</a:t>
+            </a:r>
+            <a:endParaRPr lang="zh-CN" altLang="en-US" sz="2400"/>
           </a:p>
         </p:txBody>
       </p:sp>
@@ -4468,8 +4572,8 @@
         </p:nvSpPr>
         <p:spPr>
           <a:xfrm>
-            <a:off x="791210" y="2569845"/>
-            <a:ext cx="6647180" cy="1198880"/>
+            <a:off x="539750" y="2281555"/>
+            <a:ext cx="8533130" cy="2861310"/>
           </a:xfrm>
           <a:prstGeom prst="rect">
             <a:avLst/>
@@ -4481,35 +4585,109 @@
             <a:spAutoFit/>
           </a:bodyPr>
           <a:p>
-            <a:pPr algn="l"/>
-            <a:r>
-              <a:rPr lang="zh-CN" altLang="en-US"/>
-              <a:t>actions 可以写同步代码和异步代码；</a:t>
+            <a:pPr marL="285750" indent="-285750" algn="l">
+              <a:buFont typeface="Arial" panose="020B0604020202020204" pitchFamily="34" charset="0"/>
+              <a:buChar char="•"/>
+            </a:pPr>
+            <a:r>
+              <a:rPr lang="zh-CN" altLang="en-US"/>
+              <a:t>支持devtools</a:t>
             </a:r>
             <a:endParaRPr lang="zh-CN" altLang="en-US"/>
           </a:p>
           <a:p>
-            <a:pPr algn="l"/>
-            <a:r>
-              <a:rPr lang="zh-CN" altLang="en-US"/>
-              <a:t>没有module模块，扁平化结构，每个容器之间又可以相互引用，</a:t>
+            <a:pPr marL="285750" indent="-285750" algn="l">
+              <a:buFont typeface="Arial" panose="020B0604020202020204" pitchFamily="34" charset="0"/>
+              <a:buChar char="•"/>
+            </a:pPr>
+            <a:r>
+              <a:rPr lang="zh-CN" altLang="en-US"/>
+              <a:t>支持hmr热更新</a:t>
             </a:r>
             <a:endParaRPr lang="zh-CN" altLang="en-US"/>
           </a:p>
           <a:p>
-            <a:pPr algn="l"/>
-            <a:r>
-              <a:rPr lang="zh-CN" altLang="en-US"/>
-              <a:t>代码更加简洁；</a:t>
+            <a:pPr marL="285750" indent="-285750" algn="l">
+              <a:buFont typeface="Arial" panose="020B0604020202020204" pitchFamily="34" charset="0"/>
+              <a:buChar char="•"/>
+            </a:pPr>
+            <a:r>
+              <a:rPr lang="zh-CN" altLang="en-US"/>
+              <a:t>支持pinia插件扩展</a:t>
             </a:r>
             <a:endParaRPr lang="zh-CN" altLang="en-US"/>
           </a:p>
           <a:p>
-            <a:pPr algn="l"/>
-            <a:r>
-              <a:rPr lang="zh-CN" altLang="en-US"/>
-              <a:t>插件扩展简单，可以针对某个容器做定制化持久化存储；</a:t>
-            </a:r>
+            <a:pPr marL="285750" indent="-285750" algn="l">
+              <a:buFont typeface="Arial" panose="020B0604020202020204" pitchFamily="34" charset="0"/>
+              <a:buChar char="•"/>
+            </a:pPr>
+            <a:r>
+              <a:rPr lang="zh-CN" altLang="en-US"/>
+              <a:t>更好的 typescript 的支持；</a:t>
+            </a:r>
+            <a:endParaRPr lang="zh-CN" altLang="en-US"/>
+          </a:p>
+          <a:p>
+            <a:pPr marL="285750" indent="-285750" algn="l">
+              <a:buFont typeface="Arial" panose="020B0604020202020204" pitchFamily="34" charset="0"/>
+              <a:buChar char="•"/>
+            </a:pPr>
+            <a:r>
+              <a:rPr lang="zh-CN" altLang="en-US"/>
+              <a:t>支持ssr服务端渲染；</a:t>
+            </a:r>
+            <a:endParaRPr lang="zh-CN" altLang="en-US"/>
+          </a:p>
+          <a:p>
+            <a:pPr marL="285750" indent="-285750" algn="l">
+              <a:buFont typeface="Arial" panose="020B0604020202020204" pitchFamily="34" charset="0"/>
+              <a:buChar char="•"/>
+            </a:pPr>
+            <a:r>
+              <a:rPr lang="zh-CN" altLang="en-US"/>
+              <a:t>足够轻量，压缩后的体积只有1.6kb;</a:t>
+            </a:r>
+            <a:endParaRPr lang="zh-CN" altLang="en-US"/>
+          </a:p>
+          <a:p>
+            <a:pPr marL="285750" indent="-285750" algn="l">
+              <a:buFont typeface="Arial" panose="020B0604020202020204" pitchFamily="34" charset="0"/>
+              <a:buChar char="•"/>
+            </a:pPr>
+            <a:r>
+              <a:rPr lang="zh-CN" altLang="en-US"/>
+              <a:t>去除 mutations、module，只有 state、getters、actions；</a:t>
+            </a:r>
+            <a:endParaRPr lang="zh-CN" altLang="en-US"/>
+          </a:p>
+          <a:p>
+            <a:pPr algn="l">
+              <a:buFont typeface="Arial" panose="020B0604020202020204" pitchFamily="34" charset="0"/>
+            </a:pPr>
+            <a:r>
+              <a:rPr lang="en-US" altLang="zh-CN"/>
+              <a:t>     </a:t>
+            </a:r>
+            <a:r>
+              <a:rPr lang="zh-CN" altLang="en-US"/>
+              <a:t>actions 支持同步和异步；</a:t>
+            </a:r>
+            <a:endParaRPr lang="zh-CN" altLang="en-US"/>
+          </a:p>
+          <a:p>
+            <a:pPr marL="285750" indent="-285750" algn="l">
+              <a:buFont typeface="Arial" panose="020B0604020202020204" pitchFamily="34" charset="0"/>
+              <a:buChar char="•"/>
+            </a:pPr>
+            <a:r>
+              <a:rPr lang="zh-CN" altLang="en-US"/>
+              <a:t>没有模块嵌套，只有 store 的概念，store 之间可以自由使用，更好的代码分割；</a:t>
+            </a:r>
+            <a:endParaRPr lang="zh-CN" altLang="en-US"/>
+          </a:p>
+          <a:p>
+            <a:pPr marL="285750" indent="-285750" algn="l"/>
             <a:endParaRPr lang="zh-CN" altLang="en-US"/>
           </a:p>
         </p:txBody>
@@ -4540,8 +4718,8 @@
         </p:nvSpPr>
         <p:spPr>
           <a:xfrm>
-            <a:off x="2628265" y="2673350"/>
-            <a:ext cx="2351405" cy="460375"/>
+            <a:off x="791210" y="1810385"/>
+            <a:ext cx="4805680" cy="368300"/>
           </a:xfrm>
           <a:prstGeom prst="rect">
             <a:avLst/>
@@ -4553,28 +4731,25 @@
             <a:spAutoFit/>
           </a:bodyPr>
           <a:p>
-            <a:r>
-              <a:rPr lang="en-US" altLang="zh-CN" sz="2400"/>
-              <a:t>pinia</a:t>
-            </a:r>
-            <a:r>
-              <a:rPr lang="zh-CN" altLang="en-US" sz="2400"/>
-              <a:t>的基本使用</a:t>
-            </a:r>
-            <a:endParaRPr lang="zh-CN" altLang="en-US" sz="2400"/>
-          </a:p>
-        </p:txBody>
-      </p:sp>
-      <p:sp>
-        <p:nvSpPr>
-          <p:cNvPr id="2" name="文本框 1"/>
+            <a:pPr algn="l"/>
+            <a:r>
+              <a:rPr lang="zh-CN" altLang="en-US"/>
+              <a:t>pinia和vuex相比，一些比较突出实用的功能：</a:t>
+            </a:r>
+            <a:endParaRPr lang="zh-CN" altLang="en-US"/>
+          </a:p>
+        </p:txBody>
+      </p:sp>
+      <p:sp>
+        <p:nvSpPr>
+          <p:cNvPr id="5" name="文本框 4"/>
           <p:cNvSpPr txBox="1"/>
           <p:nvPr/>
         </p:nvSpPr>
         <p:spPr>
           <a:xfrm>
-            <a:off x="3060065" y="3289935"/>
-            <a:ext cx="1325880" cy="368300"/>
+            <a:off x="791210" y="2569845"/>
+            <a:ext cx="6647180" cy="1198880"/>
           </a:xfrm>
           <a:prstGeom prst="rect">
             <a:avLst/>
@@ -4586,13 +4761,34 @@
             <a:spAutoFit/>
           </a:bodyPr>
           <a:p>
-            <a:r>
-              <a:rPr lang="zh-CN" altLang="en-US"/>
-              <a:t>（</a:t>
-            </a:r>
-            <a:r>
-              <a:rPr lang="zh-CN" altLang="en-US"/>
-              <a:t>看代码）</a:t>
+            <a:pPr algn="l"/>
+            <a:r>
+              <a:rPr lang="zh-CN" altLang="en-US"/>
+              <a:t>actions 可以写同步代码和异步代码；</a:t>
+            </a:r>
+            <a:endParaRPr lang="zh-CN" altLang="en-US"/>
+          </a:p>
+          <a:p>
+            <a:pPr algn="l"/>
+            <a:r>
+              <a:rPr lang="zh-CN" altLang="en-US"/>
+              <a:t>没有module模块，扁平化结构，每个容器之间又可以相互引用，</a:t>
+            </a:r>
+            <a:endParaRPr lang="zh-CN" altLang="en-US"/>
+          </a:p>
+          <a:p>
+            <a:pPr algn="l"/>
+            <a:r>
+              <a:rPr lang="zh-CN" altLang="en-US"/>
+              <a:t>代码更加简洁；</a:t>
+            </a:r>
+            <a:endParaRPr lang="zh-CN" altLang="en-US"/>
+          </a:p>
+          <a:p>
+            <a:pPr algn="l"/>
+            <a:r>
+              <a:rPr lang="zh-CN" altLang="en-US"/>
+              <a:t>插件扩展简单，可以针对某个容器做定制化持久化存储；</a:t>
             </a:r>
             <a:endParaRPr lang="zh-CN" altLang="en-US"/>
           </a:p>
@@ -4624,8 +4820,8 @@
         </p:nvSpPr>
         <p:spPr>
           <a:xfrm>
-            <a:off x="932815" y="1381125"/>
-            <a:ext cx="2456180" cy="368300"/>
+            <a:off x="2628265" y="2673350"/>
+            <a:ext cx="2351405" cy="460375"/>
           </a:xfrm>
           <a:prstGeom prst="rect">
             <a:avLst/>
@@ -4638,59 +4834,27 @@
           </a:bodyPr>
           <a:p>
             <a:r>
-              <a:rPr lang="zh-CN" altLang="en-US"/>
-              <a:t>安装</a:t>
-            </a:r>
-            <a:r>
-              <a:rPr lang="en-US" altLang="zh-CN"/>
+              <a:rPr lang="en-US" altLang="zh-CN" sz="2400"/>
               <a:t>pinia</a:t>
             </a:r>
             <a:r>
-              <a:rPr lang="zh-CN" altLang="en-US"/>
-              <a:t>：</a:t>
-            </a:r>
-            <a:r>
-              <a:rPr lang="en-US" altLang="zh-CN"/>
-              <a:t>npm i pinia</a:t>
-            </a:r>
-            <a:endParaRPr lang="en-US" altLang="zh-CN"/>
-          </a:p>
-        </p:txBody>
-      </p:sp>
-      <p:pic>
-        <p:nvPicPr>
-          <p:cNvPr id="9" name="图片 8" descr="code"/>
-          <p:cNvPicPr>
-            <a:picLocks noChangeAspect="1"/>
-          </p:cNvPicPr>
-          <p:nvPr/>
-        </p:nvPicPr>
-        <p:blipFill>
-          <a:blip r:embed="rId1"/>
-          <a:stretch>
-            <a:fillRect/>
-          </a:stretch>
-        </p:blipFill>
-        <p:spPr>
-          <a:xfrm>
-            <a:off x="932815" y="2353310"/>
-            <a:ext cx="3723640" cy="3139440"/>
-          </a:xfrm>
-          <a:prstGeom prst="rect">
-            <a:avLst/>
-          </a:prstGeom>
-        </p:spPr>
-      </p:pic>
-      <p:sp>
-        <p:nvSpPr>
-          <p:cNvPr id="11" name="文本框 10"/>
+              <a:rPr lang="zh-CN" altLang="en-US" sz="2400"/>
+              <a:t>的基本使用</a:t>
+            </a:r>
+            <a:endParaRPr lang="zh-CN" altLang="en-US" sz="2400"/>
+          </a:p>
+        </p:txBody>
+      </p:sp>
+      <p:sp>
+        <p:nvSpPr>
+          <p:cNvPr id="2" name="文本框 1"/>
           <p:cNvSpPr txBox="1"/>
           <p:nvPr/>
         </p:nvSpPr>
         <p:spPr>
           <a:xfrm>
-            <a:off x="932815" y="1993265"/>
-            <a:ext cx="2976880" cy="368300"/>
+            <a:off x="3060065" y="3289935"/>
+            <a:ext cx="1325880" cy="368300"/>
           </a:xfrm>
           <a:prstGeom prst="rect">
             <a:avLst/>
@@ -4704,23 +4868,11 @@
           <a:p>
             <a:r>
               <a:rPr lang="zh-CN" altLang="en-US"/>
-              <a:t>引入</a:t>
-            </a:r>
-            <a:r>
-              <a:rPr lang="en-US" altLang="zh-CN"/>
-              <a:t>pinia</a:t>
-            </a:r>
-            <a:r>
-              <a:rPr lang="zh-CN" altLang="en-US"/>
-              <a:t>，创建</a:t>
-            </a:r>
-            <a:r>
-              <a:rPr lang="en-US" altLang="zh-CN"/>
-              <a:t>pinia</a:t>
-            </a:r>
-            <a:r>
-              <a:rPr lang="zh-CN" altLang="en-US"/>
-              <a:t>实例。</a:t>
+              <a:t>（</a:t>
+            </a:r>
+            <a:r>
+              <a:rPr lang="zh-CN" altLang="en-US"/>
+              <a:t>看代码）</a:t>
             </a:r>
             <a:endParaRPr lang="zh-CN" altLang="en-US"/>
           </a:p>
